--- a/Презентация PyGame.pptx
+++ b/Презентация PyGame.pptx
@@ -123,6 +123,7 @@
   <p1510:revLst>
     <p1510:client id="{84311EF9-EE99-4ED6-897F-28AAF0A6CF3D}" v="920" dt="2022-01-15T18:09:24.009"/>
     <p1510:client id="{C0226F94-1B46-4D24-9F33-E7C2BE4D9D38}" v="2006" dt="2022-01-16T15:38:24.336"/>
+    <p1510:client id="{C97D479B-9C7E-409F-BF4C-B055D61BE51F}" v="215" dt="2022-01-17T15:14:58.198"/>
     <p1510:client id="{E54F4ECC-5E1B-4139-BA97-EBF13AE8F0D9}" v="2062" dt="2022-01-15T19:34:45.862"/>
     <p1510:client id="{F60CB57A-3A6B-4C56-A2E6-AD1173BD4094}" v="191" dt="2022-01-15T17:09:29.329"/>
   </p1510:revLst>
@@ -10412,7 +10413,7 @@
         </p:blipFill>
         <p:spPr>
           <a:xfrm>
-            <a:off x="9771265" y="1910798"/>
+            <a:off x="9771265" y="1827164"/>
             <a:ext cx="2025785" cy="1603546"/>
           </a:xfrm>
         </p:spPr>
@@ -10439,7 +10440,7 @@
         </p:blipFill>
         <p:spPr>
           <a:xfrm>
-            <a:off x="9770326" y="3576848"/>
+            <a:off x="9770326" y="3483921"/>
             <a:ext cx="2009079" cy="1600013"/>
           </a:xfrm>
           <a:prstGeom prst="rect">
@@ -10488,6 +10489,36 @@
           </a:p>
         </p:txBody>
       </p:sp>
+      <p:pic>
+        <p:nvPicPr>
+          <p:cNvPr id="3" name="Рисунок 6" descr="Изображение выглядит как текст&#10;&#10;Автоматически созданное описание">
+            <a:extLst>
+              <a:ext uri="{FF2B5EF4-FFF2-40B4-BE49-F238E27FC236}">
+                <a16:creationId xmlns:a16="http://schemas.microsoft.com/office/drawing/2014/main" id="{80E57C48-31BC-4914-AFB5-28B75BF67E7D}"/>
+              </a:ext>
+            </a:extLst>
+          </p:cNvPr>
+          <p:cNvPicPr>
+            <a:picLocks noChangeAspect="1"/>
+          </p:cNvPicPr>
+          <p:nvPr/>
+        </p:nvPicPr>
+        <p:blipFill>
+          <a:blip r:embed="rId4"/>
+          <a:stretch>
+            <a:fillRect/>
+          </a:stretch>
+        </p:blipFill>
+        <p:spPr>
+          <a:xfrm>
+            <a:off x="9769693" y="5129486"/>
+            <a:ext cx="2009079" cy="1567236"/>
+          </a:xfrm>
+          <a:prstGeom prst="rect">
+            <a:avLst/>
+          </a:prstGeom>
+        </p:spPr>
+      </p:pic>
     </p:spTree>
     <p:extLst>
       <p:ext uri="{BB962C8B-B14F-4D97-AF65-F5344CB8AC3E}">
@@ -10681,6 +10712,14 @@
 <file path=ppt/slides/slide7.xml><?xml version="1.0" encoding="utf-8"?>
 <p:sld xmlns:a="http://schemas.openxmlformats.org/drawingml/2006/main" xmlns:r="http://schemas.openxmlformats.org/officeDocument/2006/relationships" xmlns:p="http://schemas.openxmlformats.org/presentationml/2006/main">
   <p:cSld>
+    <p:bg>
+      <p:bgPr>
+        <a:solidFill>
+          <a:schemeClr val="bg1"/>
+        </a:solidFill>
+        <a:effectLst/>
+      </p:bgPr>
+    </p:bg>
     <p:spTree>
       <p:nvGrpSpPr>
         <p:cNvPr id="1" name=""/>
@@ -10695,6 +10734,532 @@
           <a:chExt cx="0" cy="0"/>
         </a:xfrm>
       </p:grpSpPr>
+      <p:sp useBgFill="1">
+        <p:nvSpPr>
+          <p:cNvPr id="5" name="Rectangle 7">
+            <a:extLst>
+              <a:ext uri="{FF2B5EF4-FFF2-40B4-BE49-F238E27FC236}">
+                <a16:creationId xmlns:a16="http://schemas.microsoft.com/office/drawing/2014/main" id="{FA2E39B7-17D8-4009-A8BA-9E8D8EC1B4C9}"/>
+              </a:ext>
+              <a:ext uri="{C183D7F6-B498-43B3-948B-1728B52AA6E4}">
+                <adec:decorative xmlns:adec="http://schemas.microsoft.com/office/drawing/2017/decorative" val="1"/>
+              </a:ext>
+            </a:extLst>
+          </p:cNvPr>
+          <p:cNvSpPr>
+            <a:spLocks noGrp="1" noRot="1" noChangeAspect="1" noMove="1" noResize="1" noEditPoints="1" noAdjustHandles="1" noChangeArrowheads="1" noChangeShapeType="1" noTextEdit="1"/>
+          </p:cNvSpPr>
+          <p:nvPr>
+            <p:extLst>
+              <p:ext uri="{386F3935-93C4-4BCD-93E2-E3B085C9AB24}">
+                <p16:designElem xmlns:p16="http://schemas.microsoft.com/office/powerpoint/2015/main" val="1"/>
+              </p:ext>
+            </p:extLst>
+          </p:nvPr>
+        </p:nvSpPr>
+        <p:spPr>
+          <a:xfrm>
+            <a:off x="0" y="0"/>
+            <a:ext cx="12188952" cy="6858000"/>
+          </a:xfrm>
+          <a:prstGeom prst="rect">
+            <a:avLst/>
+          </a:prstGeom>
+          <a:ln>
+            <a:noFill/>
+          </a:ln>
+        </p:spPr>
+        <p:style>
+          <a:lnRef idx="2">
+            <a:schemeClr val="accent1">
+              <a:shade val="50000"/>
+            </a:schemeClr>
+          </a:lnRef>
+          <a:fillRef idx="1">
+            <a:schemeClr val="accent1"/>
+          </a:fillRef>
+          <a:effectRef idx="0">
+            <a:schemeClr val="accent1"/>
+          </a:effectRef>
+          <a:fontRef idx="minor">
+            <a:schemeClr val="lt1"/>
+          </a:fontRef>
+        </p:style>
+        <p:txBody>
+          <a:bodyPr rtlCol="0" anchor="ctr"/>
+          <a:lstStyle/>
+          <a:p>
+            <a:pPr algn="ctr"/>
+            <a:endParaRPr lang="en-US"/>
+          </a:p>
+        </p:txBody>
+      </p:sp>
+      <p:sp>
+        <p:nvSpPr>
+          <p:cNvPr id="6" name="Graphic 33">
+            <a:extLst>
+              <a:ext uri="{FF2B5EF4-FFF2-40B4-BE49-F238E27FC236}">
+                <a16:creationId xmlns:a16="http://schemas.microsoft.com/office/drawing/2014/main" id="{967EEEC4-6120-428D-8FB5-916920AECC74}"/>
+              </a:ext>
+              <a:ext uri="{C183D7F6-B498-43B3-948B-1728B52AA6E4}">
+                <adec:decorative xmlns:adec="http://schemas.microsoft.com/office/drawing/2017/decorative" val="1"/>
+              </a:ext>
+            </a:extLst>
+          </p:cNvPr>
+          <p:cNvSpPr>
+            <a:spLocks noGrp="1" noRot="1" noChangeAspect="1" noMove="1" noResize="1" noEditPoints="1" noAdjustHandles="1" noChangeArrowheads="1" noChangeShapeType="1" noTextEdit="1"/>
+          </p:cNvSpPr>
+          <p:nvPr>
+            <p:extLst>
+              <p:ext uri="{386F3935-93C4-4BCD-93E2-E3B085C9AB24}">
+                <p16:designElem xmlns:p16="http://schemas.microsoft.com/office/powerpoint/2015/main" val="1"/>
+              </p:ext>
+            </p:extLst>
+          </p:nvPr>
+        </p:nvSpPr>
+        <p:spPr>
+          <a:xfrm>
+            <a:off x="1318417" y="0"/>
+            <a:ext cx="9570431" cy="6858000"/>
+          </a:xfrm>
+          <a:custGeom>
+            <a:avLst/>
+            <a:gdLst>
+              <a:gd name="connsiteX0" fmla="*/ 7178288 w 7187261"/>
+              <a:gd name="connsiteY0" fmla="*/ 2604802 h 5150263"/>
+              <a:gd name="connsiteX1" fmla="*/ 7169335 w 7187261"/>
+              <a:gd name="connsiteY1" fmla="*/ 2328577 h 5150263"/>
+              <a:gd name="connsiteX2" fmla="*/ 7060845 w 7187261"/>
+              <a:gd name="connsiteY2" fmla="*/ 1661160 h 5150263"/>
+              <a:gd name="connsiteX3" fmla="*/ 6212263 w 7187261"/>
+              <a:gd name="connsiteY3" fmla="*/ 243840 h 5150263"/>
+              <a:gd name="connsiteX4" fmla="*/ 5953564 w 7187261"/>
+              <a:gd name="connsiteY4" fmla="*/ 0 h 5150263"/>
+              <a:gd name="connsiteX5" fmla="*/ 1408615 w 7187261"/>
+              <a:gd name="connsiteY5" fmla="*/ 0 h 5150263"/>
+              <a:gd name="connsiteX6" fmla="*/ 805111 w 7187261"/>
+              <a:gd name="connsiteY6" fmla="*/ 676275 h 5150263"/>
+              <a:gd name="connsiteX7" fmla="*/ 104928 w 7187261"/>
+              <a:gd name="connsiteY7" fmla="*/ 2183035 h 5150263"/>
+              <a:gd name="connsiteX8" fmla="*/ 51588 w 7187261"/>
+              <a:gd name="connsiteY8" fmla="*/ 2400014 h 5150263"/>
+              <a:gd name="connsiteX9" fmla="*/ 41301 w 7187261"/>
+              <a:gd name="connsiteY9" fmla="*/ 2424208 h 5150263"/>
+              <a:gd name="connsiteX10" fmla="*/ 119692 w 7187261"/>
+              <a:gd name="connsiteY10" fmla="*/ 1834801 h 5150263"/>
+              <a:gd name="connsiteX11" fmla="*/ 870071 w 7187261"/>
+              <a:gd name="connsiteY11" fmla="*/ 462248 h 5150263"/>
+              <a:gd name="connsiteX12" fmla="*/ 1389279 w 7187261"/>
+              <a:gd name="connsiteY12" fmla="*/ 476 h 5150263"/>
+              <a:gd name="connsiteX13" fmla="*/ 1320223 w 7187261"/>
+              <a:gd name="connsiteY13" fmla="*/ 476 h 5150263"/>
+              <a:gd name="connsiteX14" fmla="*/ 423158 w 7187261"/>
+              <a:gd name="connsiteY14" fmla="*/ 989743 h 5150263"/>
+              <a:gd name="connsiteX15" fmla="*/ 25585 w 7187261"/>
+              <a:gd name="connsiteY15" fmla="*/ 2113693 h 5150263"/>
+              <a:gd name="connsiteX16" fmla="*/ 2344 w 7187261"/>
+              <a:gd name="connsiteY16" fmla="*/ 2725865 h 5150263"/>
+              <a:gd name="connsiteX17" fmla="*/ 447256 w 7187261"/>
+              <a:gd name="connsiteY17" fmla="*/ 4210717 h 5150263"/>
+              <a:gd name="connsiteX18" fmla="*/ 1138962 w 7187261"/>
+              <a:gd name="connsiteY18" fmla="*/ 4988910 h 5150263"/>
+              <a:gd name="connsiteX19" fmla="*/ 1348512 w 7187261"/>
+              <a:gd name="connsiteY19" fmla="*/ 5146834 h 5150263"/>
+              <a:gd name="connsiteX20" fmla="*/ 1422712 w 7187261"/>
+              <a:gd name="connsiteY20" fmla="*/ 5146834 h 5150263"/>
+              <a:gd name="connsiteX21" fmla="*/ 480594 w 7187261"/>
+              <a:gd name="connsiteY21" fmla="*/ 4187952 h 5150263"/>
+              <a:gd name="connsiteX22" fmla="*/ 398679 w 7187261"/>
+              <a:gd name="connsiteY22" fmla="*/ 4046125 h 5150263"/>
+              <a:gd name="connsiteX23" fmla="*/ 411823 w 7187261"/>
+              <a:gd name="connsiteY23" fmla="*/ 4053078 h 5150263"/>
+              <a:gd name="connsiteX24" fmla="*/ 1439380 w 7187261"/>
+              <a:gd name="connsiteY24" fmla="*/ 5147405 h 5150263"/>
+              <a:gd name="connsiteX25" fmla="*/ 5710010 w 7187261"/>
+              <a:gd name="connsiteY25" fmla="*/ 5150263 h 5150263"/>
+              <a:gd name="connsiteX26" fmla="*/ 5999665 w 7187261"/>
+              <a:gd name="connsiteY26" fmla="*/ 4910900 h 5150263"/>
+              <a:gd name="connsiteX27" fmla="*/ 6954165 w 7187261"/>
+              <a:gd name="connsiteY27" fmla="*/ 3545777 h 5150263"/>
+              <a:gd name="connsiteX28" fmla="*/ 7137712 w 7187261"/>
+              <a:gd name="connsiteY28" fmla="*/ 2799207 h 5150263"/>
+              <a:gd name="connsiteX29" fmla="*/ 7142951 w 7187261"/>
+              <a:gd name="connsiteY29" fmla="*/ 2754535 h 5150263"/>
+              <a:gd name="connsiteX30" fmla="*/ 7149428 w 7187261"/>
+              <a:gd name="connsiteY30" fmla="*/ 2774823 h 5150263"/>
+              <a:gd name="connsiteX31" fmla="*/ 7066465 w 7187261"/>
+              <a:gd name="connsiteY31" fmla="*/ 3465672 h 5150263"/>
+              <a:gd name="connsiteX32" fmla="*/ 6452578 w 7187261"/>
+              <a:gd name="connsiteY32" fmla="*/ 4552760 h 5150263"/>
+              <a:gd name="connsiteX33" fmla="*/ 5752110 w 7187261"/>
+              <a:gd name="connsiteY33" fmla="*/ 5150263 h 5150263"/>
+              <a:gd name="connsiteX34" fmla="*/ 5827643 w 7187261"/>
+              <a:gd name="connsiteY34" fmla="*/ 5150263 h 5150263"/>
+              <a:gd name="connsiteX35" fmla="*/ 6642793 w 7187261"/>
+              <a:gd name="connsiteY35" fmla="*/ 4389406 h 5150263"/>
+              <a:gd name="connsiteX36" fmla="*/ 7102469 w 7187261"/>
+              <a:gd name="connsiteY36" fmla="*/ 3490817 h 5150263"/>
+              <a:gd name="connsiteX37" fmla="*/ 7187242 w 7187261"/>
+              <a:gd name="connsiteY37" fmla="*/ 2990183 h 5150263"/>
+              <a:gd name="connsiteX38" fmla="*/ 7178288 w 7187261"/>
+              <a:gd name="connsiteY38" fmla="*/ 2604802 h 5150263"/>
+              <a:gd name="connsiteX39" fmla="*/ 6342565 w 7187261"/>
+              <a:gd name="connsiteY39" fmla="*/ 441389 h 5150263"/>
+              <a:gd name="connsiteX40" fmla="*/ 7126567 w 7187261"/>
+              <a:gd name="connsiteY40" fmla="*/ 2355056 h 5150263"/>
+              <a:gd name="connsiteX41" fmla="*/ 6342565 w 7187261"/>
+              <a:gd name="connsiteY41" fmla="*/ 441389 h 5150263"/>
+            </a:gdLst>
+            <a:ahLst/>
+            <a:cxnLst>
+              <a:cxn ang="0">
+                <a:pos x="connsiteX0" y="connsiteY0"/>
+              </a:cxn>
+              <a:cxn ang="0">
+                <a:pos x="connsiteX1" y="connsiteY1"/>
+              </a:cxn>
+              <a:cxn ang="0">
+                <a:pos x="connsiteX2" y="connsiteY2"/>
+              </a:cxn>
+              <a:cxn ang="0">
+                <a:pos x="connsiteX3" y="connsiteY3"/>
+              </a:cxn>
+              <a:cxn ang="0">
+                <a:pos x="connsiteX4" y="connsiteY4"/>
+              </a:cxn>
+              <a:cxn ang="0">
+                <a:pos x="connsiteX5" y="connsiteY5"/>
+              </a:cxn>
+              <a:cxn ang="0">
+                <a:pos x="connsiteX6" y="connsiteY6"/>
+              </a:cxn>
+              <a:cxn ang="0">
+                <a:pos x="connsiteX7" y="connsiteY7"/>
+              </a:cxn>
+              <a:cxn ang="0">
+                <a:pos x="connsiteX8" y="connsiteY8"/>
+              </a:cxn>
+              <a:cxn ang="0">
+                <a:pos x="connsiteX9" y="connsiteY9"/>
+              </a:cxn>
+              <a:cxn ang="0">
+                <a:pos x="connsiteX10" y="connsiteY10"/>
+              </a:cxn>
+              <a:cxn ang="0">
+                <a:pos x="connsiteX11" y="connsiteY11"/>
+              </a:cxn>
+              <a:cxn ang="0">
+                <a:pos x="connsiteX12" y="connsiteY12"/>
+              </a:cxn>
+              <a:cxn ang="0">
+                <a:pos x="connsiteX13" y="connsiteY13"/>
+              </a:cxn>
+              <a:cxn ang="0">
+                <a:pos x="connsiteX14" y="connsiteY14"/>
+              </a:cxn>
+              <a:cxn ang="0">
+                <a:pos x="connsiteX15" y="connsiteY15"/>
+              </a:cxn>
+              <a:cxn ang="0">
+                <a:pos x="connsiteX16" y="connsiteY16"/>
+              </a:cxn>
+              <a:cxn ang="0">
+                <a:pos x="connsiteX17" y="connsiteY17"/>
+              </a:cxn>
+              <a:cxn ang="0">
+                <a:pos x="connsiteX18" y="connsiteY18"/>
+              </a:cxn>
+              <a:cxn ang="0">
+                <a:pos x="connsiteX19" y="connsiteY19"/>
+              </a:cxn>
+              <a:cxn ang="0">
+                <a:pos x="connsiteX20" y="connsiteY20"/>
+              </a:cxn>
+              <a:cxn ang="0">
+                <a:pos x="connsiteX21" y="connsiteY21"/>
+              </a:cxn>
+              <a:cxn ang="0">
+                <a:pos x="connsiteX22" y="connsiteY22"/>
+              </a:cxn>
+              <a:cxn ang="0">
+                <a:pos x="connsiteX23" y="connsiteY23"/>
+              </a:cxn>
+              <a:cxn ang="0">
+                <a:pos x="connsiteX24" y="connsiteY24"/>
+              </a:cxn>
+              <a:cxn ang="0">
+                <a:pos x="connsiteX25" y="connsiteY25"/>
+              </a:cxn>
+              <a:cxn ang="0">
+                <a:pos x="connsiteX26" y="connsiteY26"/>
+              </a:cxn>
+              <a:cxn ang="0">
+                <a:pos x="connsiteX27" y="connsiteY27"/>
+              </a:cxn>
+              <a:cxn ang="0">
+                <a:pos x="connsiteX28" y="connsiteY28"/>
+              </a:cxn>
+              <a:cxn ang="0">
+                <a:pos x="connsiteX29" y="connsiteY29"/>
+              </a:cxn>
+              <a:cxn ang="0">
+                <a:pos x="connsiteX30" y="connsiteY30"/>
+              </a:cxn>
+              <a:cxn ang="0">
+                <a:pos x="connsiteX31" y="connsiteY31"/>
+              </a:cxn>
+              <a:cxn ang="0">
+                <a:pos x="connsiteX32" y="connsiteY32"/>
+              </a:cxn>
+              <a:cxn ang="0">
+                <a:pos x="connsiteX33" y="connsiteY33"/>
+              </a:cxn>
+              <a:cxn ang="0">
+                <a:pos x="connsiteX34" y="connsiteY34"/>
+              </a:cxn>
+              <a:cxn ang="0">
+                <a:pos x="connsiteX35" y="connsiteY35"/>
+              </a:cxn>
+              <a:cxn ang="0">
+                <a:pos x="connsiteX36" y="connsiteY36"/>
+              </a:cxn>
+              <a:cxn ang="0">
+                <a:pos x="connsiteX37" y="connsiteY37"/>
+              </a:cxn>
+              <a:cxn ang="0">
+                <a:pos x="connsiteX38" y="connsiteY38"/>
+              </a:cxn>
+              <a:cxn ang="0">
+                <a:pos x="connsiteX39" y="connsiteY39"/>
+              </a:cxn>
+              <a:cxn ang="0">
+                <a:pos x="connsiteX40" y="connsiteY40"/>
+              </a:cxn>
+              <a:cxn ang="0">
+                <a:pos x="connsiteX41" y="connsiteY41"/>
+              </a:cxn>
+            </a:cxnLst>
+            <a:rect l="l" t="t" r="r" b="b"/>
+            <a:pathLst>
+              <a:path w="7187261" h="5150263">
+                <a:moveTo>
+                  <a:pt x="7178288" y="2604802"/>
+                </a:moveTo>
+                <a:cubicBezTo>
+                  <a:pt x="7168763" y="2513076"/>
+                  <a:pt x="7174478" y="2420684"/>
+                  <a:pt x="7169335" y="2328577"/>
+                </a:cubicBezTo>
+                <a:cubicBezTo>
+                  <a:pt x="7156952" y="2102882"/>
+                  <a:pt x="7120586" y="1879149"/>
+                  <a:pt x="7060845" y="1661160"/>
+                </a:cubicBezTo>
+                <a:cubicBezTo>
+                  <a:pt x="6910588" y="1121007"/>
+                  <a:pt x="6617428" y="631374"/>
+                  <a:pt x="6212263" y="243840"/>
+                </a:cubicBezTo>
+                <a:cubicBezTo>
+                  <a:pt x="6126538" y="162496"/>
+                  <a:pt x="6040813" y="80201"/>
+                  <a:pt x="5953564" y="0"/>
+                </a:cubicBezTo>
+                <a:lnTo>
+                  <a:pt x="1408615" y="0"/>
+                </a:lnTo>
+                <a:cubicBezTo>
+                  <a:pt x="1180967" y="200316"/>
+                  <a:pt x="978332" y="427387"/>
+                  <a:pt x="805111" y="676275"/>
+                </a:cubicBezTo>
+                <a:cubicBezTo>
+                  <a:pt x="481261" y="1136523"/>
+                  <a:pt x="252089" y="1640872"/>
+                  <a:pt x="104928" y="2183035"/>
+                </a:cubicBezTo>
+                <a:cubicBezTo>
+                  <a:pt x="85878" y="2254853"/>
+                  <a:pt x="69495" y="2327720"/>
+                  <a:pt x="51588" y="2400014"/>
+                </a:cubicBezTo>
+                <a:cubicBezTo>
+                  <a:pt x="49683" y="2407634"/>
+                  <a:pt x="51588" y="2416969"/>
+                  <a:pt x="41301" y="2424208"/>
+                </a:cubicBezTo>
+                <a:cubicBezTo>
+                  <a:pt x="45900" y="2225469"/>
+                  <a:pt x="72186" y="2027834"/>
+                  <a:pt x="119692" y="1834801"/>
+                </a:cubicBezTo>
+                <a:cubicBezTo>
+                  <a:pt x="247993" y="1310926"/>
+                  <a:pt x="506121" y="857726"/>
+                  <a:pt x="870071" y="462248"/>
+                </a:cubicBezTo>
+                <a:cubicBezTo>
+                  <a:pt x="1027729" y="291823"/>
+                  <a:pt x="1201617" y="137169"/>
+                  <a:pt x="1389279" y="476"/>
+                </a:cubicBezTo>
+                <a:lnTo>
+                  <a:pt x="1320223" y="476"/>
+                </a:lnTo>
+                <a:cubicBezTo>
+                  <a:pt x="960844" y="274320"/>
+                  <a:pt x="656330" y="599123"/>
+                  <a:pt x="423158" y="989743"/>
+                </a:cubicBezTo>
+                <a:cubicBezTo>
+                  <a:pt x="215608" y="1337596"/>
+                  <a:pt x="80258" y="1711357"/>
+                  <a:pt x="25585" y="2113693"/>
+                </a:cubicBezTo>
+                <a:cubicBezTo>
+                  <a:pt x="-2705" y="2316480"/>
+                  <a:pt x="-2228" y="2521077"/>
+                  <a:pt x="2344" y="2725865"/>
+                </a:cubicBezTo>
+                <a:cubicBezTo>
+                  <a:pt x="14155" y="3261932"/>
+                  <a:pt x="170650" y="3754565"/>
+                  <a:pt x="447256" y="4210717"/>
+                </a:cubicBezTo>
+                <a:cubicBezTo>
+                  <a:pt x="629851" y="4511612"/>
+                  <a:pt x="866356" y="4767167"/>
+                  <a:pt x="1138962" y="4988910"/>
+                </a:cubicBezTo>
+                <a:cubicBezTo>
+                  <a:pt x="1207161" y="5044345"/>
+                  <a:pt x="1277008" y="5096990"/>
+                  <a:pt x="1348512" y="5146834"/>
+                </a:cubicBezTo>
+                <a:lnTo>
+                  <a:pt x="1422712" y="5146834"/>
+                </a:lnTo>
+                <a:cubicBezTo>
+                  <a:pt x="1043426" y="4892802"/>
+                  <a:pt x="724720" y="4577334"/>
+                  <a:pt x="480594" y="4187952"/>
+                </a:cubicBezTo>
+                <a:cubicBezTo>
+                  <a:pt x="452019" y="4141851"/>
+                  <a:pt x="423444" y="4095179"/>
+                  <a:pt x="398679" y="4046125"/>
+                </a:cubicBezTo>
+                <a:cubicBezTo>
+                  <a:pt x="407442" y="4043267"/>
+                  <a:pt x="409156" y="4048982"/>
+                  <a:pt x="411823" y="4053078"/>
+                </a:cubicBezTo>
+                <a:cubicBezTo>
+                  <a:pt x="683572" y="4484656"/>
+                  <a:pt x="1033139" y="4842701"/>
+                  <a:pt x="1439380" y="5147405"/>
+                </a:cubicBezTo>
+                <a:lnTo>
+                  <a:pt x="5710010" y="5150263"/>
+                </a:lnTo>
+                <a:cubicBezTo>
+                  <a:pt x="5810594" y="5075482"/>
+                  <a:pt x="5907272" y="4995587"/>
+                  <a:pt x="5999665" y="4910900"/>
+                </a:cubicBezTo>
+                <a:cubicBezTo>
+                  <a:pt x="6418765" y="4526661"/>
+                  <a:pt x="6746901" y="4078129"/>
+                  <a:pt x="6954165" y="3545777"/>
+                </a:cubicBezTo>
+                <a:cubicBezTo>
+                  <a:pt x="7048234" y="3306175"/>
+                  <a:pt x="7109956" y="3055115"/>
+                  <a:pt x="7137712" y="2799207"/>
+                </a:cubicBezTo>
+                <a:cubicBezTo>
+                  <a:pt x="7139236" y="2784920"/>
+                  <a:pt x="7141046" y="2770632"/>
+                  <a:pt x="7142951" y="2754535"/>
+                </a:cubicBezTo>
+                <a:cubicBezTo>
+                  <a:pt x="7151714" y="2760440"/>
+                  <a:pt x="7149237" y="2768441"/>
+                  <a:pt x="7149428" y="2774823"/>
+                </a:cubicBezTo>
+                <a:cubicBezTo>
+                  <a:pt x="7156743" y="3007967"/>
+                  <a:pt x="7128777" y="3240881"/>
+                  <a:pt x="7066465" y="3465672"/>
+                </a:cubicBezTo>
+                <a:cubicBezTo>
+                  <a:pt x="6952165" y="3878580"/>
+                  <a:pt x="6737948" y="4235863"/>
+                  <a:pt x="6452578" y="4552760"/>
+                </a:cubicBezTo>
+                <a:cubicBezTo>
+                  <a:pt x="6244553" y="4783836"/>
+                  <a:pt x="6008809" y="4980242"/>
+                  <a:pt x="5752110" y="5150263"/>
+                </a:cubicBezTo>
+                <a:lnTo>
+                  <a:pt x="5827643" y="5150263"/>
+                </a:lnTo>
+                <a:cubicBezTo>
+                  <a:pt x="6136539" y="4938904"/>
+                  <a:pt x="6412192" y="4689348"/>
+                  <a:pt x="6642793" y="4389406"/>
+                </a:cubicBezTo>
+                <a:cubicBezTo>
+                  <a:pt x="6851295" y="4118324"/>
+                  <a:pt x="7009125" y="3820859"/>
+                  <a:pt x="7102469" y="3490817"/>
+                </a:cubicBezTo>
+                <a:cubicBezTo>
+                  <a:pt x="7148646" y="3327473"/>
+                  <a:pt x="7177069" y="3159624"/>
+                  <a:pt x="7187242" y="2990183"/>
+                </a:cubicBezTo>
+                <a:cubicBezTo>
+                  <a:pt x="7187623" y="2984087"/>
+                  <a:pt x="7182384" y="2642330"/>
+                  <a:pt x="7178288" y="2604802"/>
+                </a:cubicBezTo>
+                <a:close/>
+                <a:moveTo>
+                  <a:pt x="6342565" y="441389"/>
+                </a:moveTo>
+                <a:cubicBezTo>
+                  <a:pt x="6829797" y="986533"/>
+                  <a:pt x="7091135" y="1624422"/>
+                  <a:pt x="7126567" y="2355056"/>
+                </a:cubicBezTo>
+                <a:cubicBezTo>
+                  <a:pt x="7001123" y="1661827"/>
+                  <a:pt x="6756426" y="1017365"/>
+                  <a:pt x="6342565" y="441389"/>
+                </a:cubicBezTo>
+                <a:close/>
+              </a:path>
+            </a:pathLst>
+          </a:custGeom>
+          <a:solidFill>
+            <a:schemeClr val="accent1"/>
+          </a:solidFill>
+          <a:ln w="9525" cap="flat">
+            <a:noFill/>
+            <a:prstDash val="solid"/>
+            <a:miter/>
+          </a:ln>
+        </p:spPr>
+        <p:txBody>
+          <a:bodyPr rtlCol="0" anchor="ctr"/>
+          <a:lstStyle/>
+          <a:p>
+            <a:endParaRPr lang="en-US"/>
+          </a:p>
+        </p:txBody>
+      </p:sp>
       <p:sp>
         <p:nvSpPr>
           <p:cNvPr id="2" name="Заголовок 1">
@@ -10711,12 +11276,33 @@
             <p:ph type="title"/>
           </p:nvPr>
         </p:nvSpPr>
-        <p:spPr/>
+        <p:spPr>
+          <a:xfrm>
+            <a:off x="2612571" y="1420591"/>
+            <a:ext cx="6809014" cy="1102860"/>
+          </a:xfrm>
+        </p:spPr>
         <p:txBody>
-          <a:bodyPr/>
+          <a:bodyPr anchor="b">
+            <a:normAutofit/>
+          </a:bodyPr>
           <a:lstStyle/>
           <a:p>
-            <a:endParaRPr lang="ru-RU"/>
+            <a:r>
+              <a:rPr lang="ru-RU" sz="6600">
+                <a:solidFill>
+                  <a:srgbClr val="FFFFFF"/>
+                </a:solidFill>
+                <a:latin typeface="Arial"/>
+                <a:cs typeface="Arial"/>
+              </a:rPr>
+              <a:t>Заключение</a:t>
+            </a:r>
+            <a:endParaRPr lang="ru-RU" sz="6600">
+              <a:solidFill>
+                <a:srgbClr val="FFFFFF"/>
+              </a:solidFill>
+            </a:endParaRPr>
           </a:p>
         </p:txBody>
       </p:sp>
@@ -10736,12 +11322,28 @@
             <p:ph idx="1"/>
           </p:nvPr>
         </p:nvSpPr>
-        <p:spPr/>
+        <p:spPr>
+          <a:xfrm>
+            <a:off x="2612571" y="2694218"/>
+            <a:ext cx="6809014" cy="3339533"/>
+          </a:xfrm>
+        </p:spPr>
         <p:txBody>
-          <a:bodyPr/>
+          <a:bodyPr vert="horz" lIns="91440" tIns="45720" rIns="91440" bIns="45720" rtlCol="0">
+            <a:normAutofit/>
+          </a:bodyPr>
           <a:lstStyle/>
           <a:p>
-            <a:endParaRPr lang="ru-RU"/>
+            <a:r>
+              <a:rPr lang="ru-RU" sz="2600">
+                <a:solidFill>
+                  <a:srgbClr val="FFFFFF"/>
+                </a:solidFill>
+                <a:latin typeface="Arial"/>
+                <a:cs typeface="Arial"/>
+              </a:rPr>
+              <a:t>В итоге у нас получилась хороша игра. Но всё же в ней есть моменты для доработки. В игру можно добавить то, что сделает её ещё лучше и интересней. Например добавить уровней в RELAX, сделать анимацию врагов в SPACE INVADERS или ещё что-нибудь.</a:t>
+            </a:r>
           </a:p>
         </p:txBody>
       </p:sp>

--- a/Презентация PyGame.pptx
+++ b/Презентация PyGame.pptx
@@ -152,7 +152,7 @@
           <p:cNvPr id="7" name="Rectangle 6" descr="Tag=AccentColor&#10;Flavor=Light&#10;Target=FillAndLine">
             <a:extLst>
               <a:ext uri="{FF2B5EF4-FFF2-40B4-BE49-F238E27FC236}">
-                <a16:creationId xmlns:a16="http://schemas.microsoft.com/office/drawing/2014/main" id="{DA381740-063A-41A4-836D-85D14980EEF0}"/>
+                <a16:creationId xmlns:a16="http://schemas.microsoft.com/office/drawing/2014/main" xmlns="" id="{DA381740-063A-41A4-836D-85D14980EEF0}"/>
               </a:ext>
             </a:extLst>
           </p:cNvPr>
@@ -442,7 +442,7 @@
             <a:round/>
             <a:extLst>
               <a:ext uri="{C807C97D-BFC1-408E-A445-0C87EB9F89A2}">
-                <ask:lineSketchStyleProps xmlns:ask="http://schemas.microsoft.com/office/drawing/2018/sketchyshapes" sd="1219033472">
+                <ask:lineSketchStyleProps xmlns:ask="http://schemas.microsoft.com/office/drawing/2018/sketchyshapes" xmlns="" sd="1219033472">
                   <a:prstGeom prst="rect">
                     <a:avLst/>
                   </a:prstGeom>
@@ -488,7 +488,7 @@
           <p:cNvPr id="2" name="Title 1">
             <a:extLst>
               <a:ext uri="{FF2B5EF4-FFF2-40B4-BE49-F238E27FC236}">
-                <a16:creationId xmlns:a16="http://schemas.microsoft.com/office/drawing/2014/main" id="{24EF9DF8-704A-44AE-8850-307DDACC9387}"/>
+                <a16:creationId xmlns:a16="http://schemas.microsoft.com/office/drawing/2014/main" xmlns="" id="{24EF9DF8-704A-44AE-8850-307DDACC9387}"/>
               </a:ext>
             </a:extLst>
           </p:cNvPr>
@@ -528,7 +528,7 @@
           <p:cNvPr id="3" name="Subtitle 2">
             <a:extLst>
               <a:ext uri="{FF2B5EF4-FFF2-40B4-BE49-F238E27FC236}">
-                <a16:creationId xmlns:a16="http://schemas.microsoft.com/office/drawing/2014/main" id="{3CC72E09-06F3-48B9-9B95-DE15EC98017B}"/>
+                <a16:creationId xmlns:a16="http://schemas.microsoft.com/office/drawing/2014/main" xmlns="" id="{3CC72E09-06F3-48B9-9B95-DE15EC98017B}"/>
               </a:ext>
             </a:extLst>
           </p:cNvPr>
@@ -600,7 +600,7 @@
           <p:cNvPr id="4" name="Date Placeholder 3">
             <a:extLst>
               <a:ext uri="{FF2B5EF4-FFF2-40B4-BE49-F238E27FC236}">
-                <a16:creationId xmlns:a16="http://schemas.microsoft.com/office/drawing/2014/main" id="{E11CD474-E5E1-4D01-97F6-0C9FC09332C0}"/>
+                <a16:creationId xmlns:a16="http://schemas.microsoft.com/office/drawing/2014/main" xmlns="" id="{E11CD474-E5E1-4D01-97F6-0C9FC09332C0}"/>
               </a:ext>
             </a:extLst>
           </p:cNvPr>
@@ -618,7 +618,7 @@
           <a:p>
             <a:fld id="{72345051-2045-45DA-935E-2E3CA1A69ADC}" type="datetimeFigureOut">
               <a:rPr lang="en-US" smtClean="0"/>
-              <a:t>1/17/2022</a:t>
+              <a:t>1/20/2022</a:t>
             </a:fld>
             <a:endParaRPr lang="en-US" dirty="0"/>
           </a:p>
@@ -629,7 +629,7 @@
           <p:cNvPr id="5" name="Footer Placeholder 4">
             <a:extLst>
               <a:ext uri="{FF2B5EF4-FFF2-40B4-BE49-F238E27FC236}">
-                <a16:creationId xmlns:a16="http://schemas.microsoft.com/office/drawing/2014/main" id="{C636BBC7-EB9B-4B36-88E9-DBF65D270E02}"/>
+                <a16:creationId xmlns:a16="http://schemas.microsoft.com/office/drawing/2014/main" xmlns="" id="{C636BBC7-EB9B-4B36-88E9-DBF65D270E02}"/>
               </a:ext>
             </a:extLst>
           </p:cNvPr>
@@ -654,7 +654,7 @@
           <p:cNvPr id="6" name="Slide Number Placeholder 5">
             <a:extLst>
               <a:ext uri="{FF2B5EF4-FFF2-40B4-BE49-F238E27FC236}">
-                <a16:creationId xmlns:a16="http://schemas.microsoft.com/office/drawing/2014/main" id="{B48786C7-DD8D-492F-9A9A-A7B3EBE27FE9}"/>
+                <a16:creationId xmlns:a16="http://schemas.microsoft.com/office/drawing/2014/main" xmlns="" id="{B48786C7-DD8D-492F-9A9A-A7B3EBE27FE9}"/>
               </a:ext>
             </a:extLst>
           </p:cNvPr>
@@ -713,7 +713,7 @@
           <p:cNvPr id="2" name="Title 1">
             <a:extLst>
               <a:ext uri="{FF2B5EF4-FFF2-40B4-BE49-F238E27FC236}">
-                <a16:creationId xmlns:a16="http://schemas.microsoft.com/office/drawing/2014/main" id="{BF07CF8D-FF51-4FD8-B968-A2C850734787}"/>
+                <a16:creationId xmlns:a16="http://schemas.microsoft.com/office/drawing/2014/main" xmlns="" id="{BF07CF8D-FF51-4FD8-B968-A2C850734787}"/>
               </a:ext>
             </a:extLst>
           </p:cNvPr>
@@ -741,7 +741,7 @@
           <p:cNvPr id="3" name="Vertical Text Placeholder 2">
             <a:extLst>
               <a:ext uri="{FF2B5EF4-FFF2-40B4-BE49-F238E27FC236}">
-                <a16:creationId xmlns:a16="http://schemas.microsoft.com/office/drawing/2014/main" id="{6661A953-02EA-491B-A215-AF8420D74D3A}"/>
+                <a16:creationId xmlns:a16="http://schemas.microsoft.com/office/drawing/2014/main" xmlns="" id="{6661A953-02EA-491B-A215-AF8420D74D3A}"/>
               </a:ext>
             </a:extLst>
           </p:cNvPr>
@@ -798,7 +798,7 @@
           <p:cNvPr id="4" name="Date Placeholder 3">
             <a:extLst>
               <a:ext uri="{FF2B5EF4-FFF2-40B4-BE49-F238E27FC236}">
-                <a16:creationId xmlns:a16="http://schemas.microsoft.com/office/drawing/2014/main" id="{34084D1E-BC98-44E4-8D2C-89CCDC293331}"/>
+                <a16:creationId xmlns:a16="http://schemas.microsoft.com/office/drawing/2014/main" xmlns="" id="{34084D1E-BC98-44E4-8D2C-89CCDC293331}"/>
               </a:ext>
             </a:extLst>
           </p:cNvPr>
@@ -816,7 +816,7 @@
           <a:p>
             <a:fld id="{72345051-2045-45DA-935E-2E3CA1A69ADC}" type="datetimeFigureOut">
               <a:rPr lang="en-US" smtClean="0"/>
-              <a:t>1/17/2022</a:t>
+              <a:t>1/20/2022</a:t>
             </a:fld>
             <a:endParaRPr lang="en-US"/>
           </a:p>
@@ -827,7 +827,7 @@
           <p:cNvPr id="5" name="Footer Placeholder 4">
             <a:extLst>
               <a:ext uri="{FF2B5EF4-FFF2-40B4-BE49-F238E27FC236}">
-                <a16:creationId xmlns:a16="http://schemas.microsoft.com/office/drawing/2014/main" id="{513019EB-9C2B-4833-B72A-147694159727}"/>
+                <a16:creationId xmlns:a16="http://schemas.microsoft.com/office/drawing/2014/main" xmlns="" id="{513019EB-9C2B-4833-B72A-147694159727}"/>
               </a:ext>
             </a:extLst>
           </p:cNvPr>
@@ -852,7 +852,7 @@
           <p:cNvPr id="6" name="Slide Number Placeholder 5">
             <a:extLst>
               <a:ext uri="{FF2B5EF4-FFF2-40B4-BE49-F238E27FC236}">
-                <a16:creationId xmlns:a16="http://schemas.microsoft.com/office/drawing/2014/main" id="{F5F6E764-5688-45F5-94ED-A7357D2F5689}"/>
+                <a16:creationId xmlns:a16="http://schemas.microsoft.com/office/drawing/2014/main" xmlns="" id="{F5F6E764-5688-45F5-94ED-A7357D2F5689}"/>
               </a:ext>
             </a:extLst>
           </p:cNvPr>
@@ -911,7 +911,7 @@
           <p:cNvPr id="2" name="Vertical Title 1">
             <a:extLst>
               <a:ext uri="{FF2B5EF4-FFF2-40B4-BE49-F238E27FC236}">
-                <a16:creationId xmlns:a16="http://schemas.microsoft.com/office/drawing/2014/main" id="{220E3CB6-3025-40BF-A04B-A7B0CB4C01F3}"/>
+                <a16:creationId xmlns:a16="http://schemas.microsoft.com/office/drawing/2014/main" xmlns="" id="{220E3CB6-3025-40BF-A04B-A7B0CB4C01F3}"/>
               </a:ext>
             </a:extLst>
           </p:cNvPr>
@@ -944,7 +944,7 @@
           <p:cNvPr id="3" name="Vertical Text Placeholder 2">
             <a:extLst>
               <a:ext uri="{FF2B5EF4-FFF2-40B4-BE49-F238E27FC236}">
-                <a16:creationId xmlns:a16="http://schemas.microsoft.com/office/drawing/2014/main" id="{3EDD5CB3-8B24-48C7-89D3-8DCAD36A453D}"/>
+                <a16:creationId xmlns:a16="http://schemas.microsoft.com/office/drawing/2014/main" xmlns="" id="{3EDD5CB3-8B24-48C7-89D3-8DCAD36A453D}"/>
               </a:ext>
             </a:extLst>
           </p:cNvPr>
@@ -1006,7 +1006,7 @@
           <p:cNvPr id="4" name="Date Placeholder 3">
             <a:extLst>
               <a:ext uri="{FF2B5EF4-FFF2-40B4-BE49-F238E27FC236}">
-                <a16:creationId xmlns:a16="http://schemas.microsoft.com/office/drawing/2014/main" id="{150BC931-E2BF-4C1D-91AA-89F82F8268B2}"/>
+                <a16:creationId xmlns:a16="http://schemas.microsoft.com/office/drawing/2014/main" xmlns="" id="{150BC931-E2BF-4C1D-91AA-89F82F8268B2}"/>
               </a:ext>
             </a:extLst>
           </p:cNvPr>
@@ -1024,7 +1024,7 @@
           <a:p>
             <a:fld id="{72345051-2045-45DA-935E-2E3CA1A69ADC}" type="datetimeFigureOut">
               <a:rPr lang="en-US" smtClean="0"/>
-              <a:t>1/17/2022</a:t>
+              <a:t>1/20/2022</a:t>
             </a:fld>
             <a:endParaRPr lang="en-US"/>
           </a:p>
@@ -1035,7 +1035,7 @@
           <p:cNvPr id="5" name="Footer Placeholder 4">
             <a:extLst>
               <a:ext uri="{FF2B5EF4-FFF2-40B4-BE49-F238E27FC236}">
-                <a16:creationId xmlns:a16="http://schemas.microsoft.com/office/drawing/2014/main" id="{7548A135-AEE9-4483-957E-3D143318DD0D}"/>
+                <a16:creationId xmlns:a16="http://schemas.microsoft.com/office/drawing/2014/main" xmlns="" id="{7548A135-AEE9-4483-957E-3D143318DD0D}"/>
               </a:ext>
             </a:extLst>
           </p:cNvPr>
@@ -1060,7 +1060,7 @@
           <p:cNvPr id="6" name="Slide Number Placeholder 5">
             <a:extLst>
               <a:ext uri="{FF2B5EF4-FFF2-40B4-BE49-F238E27FC236}">
-                <a16:creationId xmlns:a16="http://schemas.microsoft.com/office/drawing/2014/main" id="{E28DEFD4-A052-46B3-B2AE-F3091D8A2F7B}"/>
+                <a16:creationId xmlns:a16="http://schemas.microsoft.com/office/drawing/2014/main" xmlns="" id="{E28DEFD4-A052-46B3-B2AE-F3091D8A2F7B}"/>
               </a:ext>
             </a:extLst>
           </p:cNvPr>
@@ -1119,7 +1119,7 @@
           <p:cNvPr id="2" name="Title 1">
             <a:extLst>
               <a:ext uri="{FF2B5EF4-FFF2-40B4-BE49-F238E27FC236}">
-                <a16:creationId xmlns:a16="http://schemas.microsoft.com/office/drawing/2014/main" id="{465D02BC-5A24-47F7-A4DF-B93FBC0C51B0}"/>
+                <a16:creationId xmlns:a16="http://schemas.microsoft.com/office/drawing/2014/main" xmlns="" id="{465D02BC-5A24-47F7-A4DF-B93FBC0C51B0}"/>
               </a:ext>
             </a:extLst>
           </p:cNvPr>
@@ -1148,7 +1148,7 @@
           <p:cNvPr id="3" name="Content Placeholder 2">
             <a:extLst>
               <a:ext uri="{FF2B5EF4-FFF2-40B4-BE49-F238E27FC236}">
-                <a16:creationId xmlns:a16="http://schemas.microsoft.com/office/drawing/2014/main" id="{48E9219E-EE74-4093-94D6-F663E059C504}"/>
+                <a16:creationId xmlns:a16="http://schemas.microsoft.com/office/drawing/2014/main" xmlns="" id="{48E9219E-EE74-4093-94D6-F663E059C504}"/>
               </a:ext>
             </a:extLst>
           </p:cNvPr>
@@ -1228,7 +1228,7 @@
           <p:cNvPr id="4" name="Date Placeholder 3">
             <a:extLst>
               <a:ext uri="{FF2B5EF4-FFF2-40B4-BE49-F238E27FC236}">
-                <a16:creationId xmlns:a16="http://schemas.microsoft.com/office/drawing/2014/main" id="{82A61642-BFBA-48AE-A29C-C2AA7386AE95}"/>
+                <a16:creationId xmlns:a16="http://schemas.microsoft.com/office/drawing/2014/main" xmlns="" id="{82A61642-BFBA-48AE-A29C-C2AA7386AE95}"/>
               </a:ext>
             </a:extLst>
           </p:cNvPr>
@@ -1246,7 +1246,7 @@
           <a:p>
             <a:fld id="{72345051-2045-45DA-935E-2E3CA1A69ADC}" type="datetimeFigureOut">
               <a:rPr lang="en-US" smtClean="0"/>
-              <a:t>1/17/2022</a:t>
+              <a:t>1/20/2022</a:t>
             </a:fld>
             <a:endParaRPr lang="en-US"/>
           </a:p>
@@ -1257,7 +1257,7 @@
           <p:cNvPr id="5" name="Footer Placeholder 4">
             <a:extLst>
               <a:ext uri="{FF2B5EF4-FFF2-40B4-BE49-F238E27FC236}">
-                <a16:creationId xmlns:a16="http://schemas.microsoft.com/office/drawing/2014/main" id="{2AD2029B-6646-4DBF-A302-76A513FC64DB}"/>
+                <a16:creationId xmlns:a16="http://schemas.microsoft.com/office/drawing/2014/main" xmlns="" id="{2AD2029B-6646-4DBF-A302-76A513FC64DB}"/>
               </a:ext>
             </a:extLst>
           </p:cNvPr>
@@ -1282,7 +1282,7 @@
           <p:cNvPr id="6" name="Slide Number Placeholder 5">
             <a:extLst>
               <a:ext uri="{FF2B5EF4-FFF2-40B4-BE49-F238E27FC236}">
-                <a16:creationId xmlns:a16="http://schemas.microsoft.com/office/drawing/2014/main" id="{9E6D4DFD-766F-4E45-A00C-2B5E8CE9A908}"/>
+                <a16:creationId xmlns:a16="http://schemas.microsoft.com/office/drawing/2014/main" xmlns="" id="{9E6D4DFD-766F-4E45-A00C-2B5E8CE9A908}"/>
               </a:ext>
             </a:extLst>
           </p:cNvPr>
@@ -1311,7 +1311,7 @@
           <p:cNvPr id="8" name="Rectangle 7" descr="Tag=AccentColor&#10;Flavor=Light&#10;Target=FillAndLine">
             <a:extLst>
               <a:ext uri="{FF2B5EF4-FFF2-40B4-BE49-F238E27FC236}">
-                <a16:creationId xmlns:a16="http://schemas.microsoft.com/office/drawing/2014/main" id="{EBDD1931-9E86-4402-9A68-33A2D9EFB198}"/>
+                <a16:creationId xmlns:a16="http://schemas.microsoft.com/office/drawing/2014/main" xmlns="" id="{EBDD1931-9E86-4402-9A68-33A2D9EFB198}"/>
               </a:ext>
             </a:extLst>
           </p:cNvPr>
@@ -1896,7 +1896,7 @@
             <a:round/>
             <a:extLst>
               <a:ext uri="{C807C97D-BFC1-408E-A445-0C87EB9F89A2}">
-                <ask:lineSketchStyleProps xmlns:ask="http://schemas.microsoft.com/office/drawing/2018/sketchyshapes" sd="1219033472">
+                <ask:lineSketchStyleProps xmlns:ask="http://schemas.microsoft.com/office/drawing/2018/sketchyshapes" xmlns="" sd="1219033472">
                   <a:prstGeom prst="rect">
                     <a:avLst/>
                   </a:prstGeom>
@@ -1972,7 +1972,7 @@
           <p:cNvPr id="2" name="Title 1">
             <a:extLst>
               <a:ext uri="{FF2B5EF4-FFF2-40B4-BE49-F238E27FC236}">
-                <a16:creationId xmlns:a16="http://schemas.microsoft.com/office/drawing/2014/main" id="{63C218C0-6540-400C-BB51-353D5FD5CB00}"/>
+                <a16:creationId xmlns:a16="http://schemas.microsoft.com/office/drawing/2014/main" xmlns="" id="{63C218C0-6540-400C-BB51-353D5FD5CB00}"/>
               </a:ext>
             </a:extLst>
           </p:cNvPr>
@@ -2012,7 +2012,7 @@
           <p:cNvPr id="3" name="Text Placeholder 2">
             <a:extLst>
               <a:ext uri="{FF2B5EF4-FFF2-40B4-BE49-F238E27FC236}">
-                <a16:creationId xmlns:a16="http://schemas.microsoft.com/office/drawing/2014/main" id="{AA81CD69-43B3-4FF7-AA41-30C36C957E65}"/>
+                <a16:creationId xmlns:a16="http://schemas.microsoft.com/office/drawing/2014/main" xmlns="" id="{AA81CD69-43B3-4FF7-AA41-30C36C957E65}"/>
               </a:ext>
             </a:extLst>
           </p:cNvPr>
@@ -2139,7 +2139,7 @@
           <p:cNvPr id="4" name="Date Placeholder 3">
             <a:extLst>
               <a:ext uri="{FF2B5EF4-FFF2-40B4-BE49-F238E27FC236}">
-                <a16:creationId xmlns:a16="http://schemas.microsoft.com/office/drawing/2014/main" id="{42BF300D-5CBE-47E9-A193-E23C8314D0EA}"/>
+                <a16:creationId xmlns:a16="http://schemas.microsoft.com/office/drawing/2014/main" xmlns="" id="{42BF300D-5CBE-47E9-A193-E23C8314D0EA}"/>
               </a:ext>
             </a:extLst>
           </p:cNvPr>
@@ -2157,7 +2157,7 @@
           <a:p>
             <a:fld id="{72345051-2045-45DA-935E-2E3CA1A69ADC}" type="datetimeFigureOut">
               <a:rPr lang="en-US" smtClean="0"/>
-              <a:t>1/17/2022</a:t>
+              <a:t>1/20/2022</a:t>
             </a:fld>
             <a:endParaRPr lang="en-US"/>
           </a:p>
@@ -2168,7 +2168,7 @@
           <p:cNvPr id="5" name="Footer Placeholder 4">
             <a:extLst>
               <a:ext uri="{FF2B5EF4-FFF2-40B4-BE49-F238E27FC236}">
-                <a16:creationId xmlns:a16="http://schemas.microsoft.com/office/drawing/2014/main" id="{56E7DF3F-C51A-4DB1-9FCE-E3E0D8E92572}"/>
+                <a16:creationId xmlns:a16="http://schemas.microsoft.com/office/drawing/2014/main" xmlns="" id="{56E7DF3F-C51A-4DB1-9FCE-E3E0D8E92572}"/>
               </a:ext>
             </a:extLst>
           </p:cNvPr>
@@ -2193,7 +2193,7 @@
           <p:cNvPr id="6" name="Slide Number Placeholder 5">
             <a:extLst>
               <a:ext uri="{FF2B5EF4-FFF2-40B4-BE49-F238E27FC236}">
-                <a16:creationId xmlns:a16="http://schemas.microsoft.com/office/drawing/2014/main" id="{A5269CF4-FAAB-44EF-A2A5-8352B4AA384F}"/>
+                <a16:creationId xmlns:a16="http://schemas.microsoft.com/office/drawing/2014/main" xmlns="" id="{A5269CF4-FAAB-44EF-A2A5-8352B4AA384F}"/>
               </a:ext>
             </a:extLst>
           </p:cNvPr>
@@ -2222,7 +2222,7 @@
           <p:cNvPr id="7" name="Rectangle 6" descr="Tag=AccentColor&#10;Flavor=Light&#10;Target=FillAndLine">
             <a:extLst>
               <a:ext uri="{FF2B5EF4-FFF2-40B4-BE49-F238E27FC236}">
-                <a16:creationId xmlns:a16="http://schemas.microsoft.com/office/drawing/2014/main" id="{417A8947-4521-4FE1-8E44-27363435CE1B}"/>
+                <a16:creationId xmlns:a16="http://schemas.microsoft.com/office/drawing/2014/main" xmlns="" id="{417A8947-4521-4FE1-8E44-27363435CE1B}"/>
               </a:ext>
             </a:extLst>
           </p:cNvPr>
@@ -2512,7 +2512,7 @@
             <a:round/>
             <a:extLst>
               <a:ext uri="{C807C97D-BFC1-408E-A445-0C87EB9F89A2}">
-                <ask:lineSketchStyleProps xmlns:ask="http://schemas.microsoft.com/office/drawing/2018/sketchyshapes" sd="1219033472">
+                <ask:lineSketchStyleProps xmlns:ask="http://schemas.microsoft.com/office/drawing/2018/sketchyshapes" xmlns="" sd="1219033472">
                   <a:prstGeom prst="rect">
                     <a:avLst/>
                   </a:prstGeom>
@@ -2588,7 +2588,7 @@
           <p:cNvPr id="2" name="Title 1">
             <a:extLst>
               <a:ext uri="{FF2B5EF4-FFF2-40B4-BE49-F238E27FC236}">
-                <a16:creationId xmlns:a16="http://schemas.microsoft.com/office/drawing/2014/main" id="{75ADE264-531D-49C1-A8AF-2B4C1D218FAB}"/>
+                <a16:creationId xmlns:a16="http://schemas.microsoft.com/office/drawing/2014/main" xmlns="" id="{75ADE264-531D-49C1-A8AF-2B4C1D218FAB}"/>
               </a:ext>
             </a:extLst>
           </p:cNvPr>
@@ -2617,7 +2617,7 @@
           <p:cNvPr id="3" name="Content Placeholder 2">
             <a:extLst>
               <a:ext uri="{FF2B5EF4-FFF2-40B4-BE49-F238E27FC236}">
-                <a16:creationId xmlns:a16="http://schemas.microsoft.com/office/drawing/2014/main" id="{E4B9A1B8-2F1B-46AA-858A-CFFF5AF7CEB0}"/>
+                <a16:creationId xmlns:a16="http://schemas.microsoft.com/office/drawing/2014/main" xmlns="" id="{E4B9A1B8-2F1B-46AA-858A-CFFF5AF7CEB0}"/>
               </a:ext>
             </a:extLst>
           </p:cNvPr>
@@ -2679,7 +2679,7 @@
           <p:cNvPr id="4" name="Content Placeholder 3">
             <a:extLst>
               <a:ext uri="{FF2B5EF4-FFF2-40B4-BE49-F238E27FC236}">
-                <a16:creationId xmlns:a16="http://schemas.microsoft.com/office/drawing/2014/main" id="{6E6B9631-18C0-43BD-8AF3-9137D6D4C234}"/>
+                <a16:creationId xmlns:a16="http://schemas.microsoft.com/office/drawing/2014/main" xmlns="" id="{6E6B9631-18C0-43BD-8AF3-9137D6D4C234}"/>
               </a:ext>
             </a:extLst>
           </p:cNvPr>
@@ -2742,7 +2742,7 @@
           <p:cNvPr id="5" name="Date Placeholder 4">
             <a:extLst>
               <a:ext uri="{FF2B5EF4-FFF2-40B4-BE49-F238E27FC236}">
-                <a16:creationId xmlns:a16="http://schemas.microsoft.com/office/drawing/2014/main" id="{E9032FCA-14C6-4497-9C27-3F58062442CE}"/>
+                <a16:creationId xmlns:a16="http://schemas.microsoft.com/office/drawing/2014/main" xmlns="" id="{E9032FCA-14C6-4497-9C27-3F58062442CE}"/>
               </a:ext>
             </a:extLst>
           </p:cNvPr>
@@ -2760,7 +2760,7 @@
           <a:p>
             <a:fld id="{72345051-2045-45DA-935E-2E3CA1A69ADC}" type="datetimeFigureOut">
               <a:rPr lang="en-US" smtClean="0"/>
-              <a:t>1/17/2022</a:t>
+              <a:t>1/20/2022</a:t>
             </a:fld>
             <a:endParaRPr lang="en-US"/>
           </a:p>
@@ -2771,7 +2771,7 @@
           <p:cNvPr id="6" name="Footer Placeholder 5">
             <a:extLst>
               <a:ext uri="{FF2B5EF4-FFF2-40B4-BE49-F238E27FC236}">
-                <a16:creationId xmlns:a16="http://schemas.microsoft.com/office/drawing/2014/main" id="{961E5057-693B-4E10-958E-0ABE79FEC705}"/>
+                <a16:creationId xmlns:a16="http://schemas.microsoft.com/office/drawing/2014/main" xmlns="" id="{961E5057-693B-4E10-958E-0ABE79FEC705}"/>
               </a:ext>
             </a:extLst>
           </p:cNvPr>
@@ -2796,7 +2796,7 @@
           <p:cNvPr id="7" name="Slide Number Placeholder 6">
             <a:extLst>
               <a:ext uri="{FF2B5EF4-FFF2-40B4-BE49-F238E27FC236}">
-                <a16:creationId xmlns:a16="http://schemas.microsoft.com/office/drawing/2014/main" id="{670CECB1-0A35-4C10-9D3D-FE4404283011}"/>
+                <a16:creationId xmlns:a16="http://schemas.microsoft.com/office/drawing/2014/main" xmlns="" id="{670CECB1-0A35-4C10-9D3D-FE4404283011}"/>
               </a:ext>
             </a:extLst>
           </p:cNvPr>
@@ -2825,7 +2825,7 @@
           <p:cNvPr id="9" name="Rectangle 8" descr="Tag=AccentColor&#10;Flavor=Light&#10;Target=FillAndLine">
             <a:extLst>
               <a:ext uri="{FF2B5EF4-FFF2-40B4-BE49-F238E27FC236}">
-                <a16:creationId xmlns:a16="http://schemas.microsoft.com/office/drawing/2014/main" id="{2FAAC677-2D37-4F63-9C4B-711A2988EE02}"/>
+                <a16:creationId xmlns:a16="http://schemas.microsoft.com/office/drawing/2014/main" xmlns="" id="{2FAAC677-2D37-4F63-9C4B-711A2988EE02}"/>
               </a:ext>
             </a:extLst>
           </p:cNvPr>
@@ -3410,7 +3410,7 @@
             <a:round/>
             <a:extLst>
               <a:ext uri="{C807C97D-BFC1-408E-A445-0C87EB9F89A2}">
-                <ask:lineSketchStyleProps xmlns:ask="http://schemas.microsoft.com/office/drawing/2018/sketchyshapes" sd="1219033472">
+                <ask:lineSketchStyleProps xmlns:ask="http://schemas.microsoft.com/office/drawing/2018/sketchyshapes" xmlns="" sd="1219033472">
                   <a:prstGeom prst="rect">
                     <a:avLst/>
                   </a:prstGeom>
@@ -3486,7 +3486,7 @@
           <p:cNvPr id="2" name="Title 1">
             <a:extLst>
               <a:ext uri="{FF2B5EF4-FFF2-40B4-BE49-F238E27FC236}">
-                <a16:creationId xmlns:a16="http://schemas.microsoft.com/office/drawing/2014/main" id="{328AE282-8875-4F49-AB21-E1C2BCAEA1F6}"/>
+                <a16:creationId xmlns:a16="http://schemas.microsoft.com/office/drawing/2014/main" xmlns="" id="{328AE282-8875-4F49-AB21-E1C2BCAEA1F6}"/>
               </a:ext>
             </a:extLst>
           </p:cNvPr>
@@ -3519,7 +3519,7 @@
           <p:cNvPr id="3" name="Text Placeholder 2">
             <a:extLst>
               <a:ext uri="{FF2B5EF4-FFF2-40B4-BE49-F238E27FC236}">
-                <a16:creationId xmlns:a16="http://schemas.microsoft.com/office/drawing/2014/main" id="{81712EA2-EF8C-4F18-BECF-AD121F72816A}"/>
+                <a16:creationId xmlns:a16="http://schemas.microsoft.com/office/drawing/2014/main" xmlns="" id="{81712EA2-EF8C-4F18-BECF-AD121F72816A}"/>
               </a:ext>
             </a:extLst>
           </p:cNvPr>
@@ -3592,7 +3592,7 @@
           <p:cNvPr id="4" name="Content Placeholder 3">
             <a:extLst>
               <a:ext uri="{FF2B5EF4-FFF2-40B4-BE49-F238E27FC236}">
-                <a16:creationId xmlns:a16="http://schemas.microsoft.com/office/drawing/2014/main" id="{7D7B59D4-E93F-40C1-A1A2-F1867830C678}"/>
+                <a16:creationId xmlns:a16="http://schemas.microsoft.com/office/drawing/2014/main" xmlns="" id="{7D7B59D4-E93F-40C1-A1A2-F1867830C678}"/>
               </a:ext>
             </a:extLst>
           </p:cNvPr>
@@ -3654,7 +3654,7 @@
           <p:cNvPr id="5" name="Text Placeholder 4">
             <a:extLst>
               <a:ext uri="{FF2B5EF4-FFF2-40B4-BE49-F238E27FC236}">
-                <a16:creationId xmlns:a16="http://schemas.microsoft.com/office/drawing/2014/main" id="{6E810616-1C77-42AE-8449-D0B64E2B8475}"/>
+                <a16:creationId xmlns:a16="http://schemas.microsoft.com/office/drawing/2014/main" xmlns="" id="{6E810616-1C77-42AE-8449-D0B64E2B8475}"/>
               </a:ext>
             </a:extLst>
           </p:cNvPr>
@@ -3727,7 +3727,7 @@
           <p:cNvPr id="6" name="Content Placeholder 5">
             <a:extLst>
               <a:ext uri="{FF2B5EF4-FFF2-40B4-BE49-F238E27FC236}">
-                <a16:creationId xmlns:a16="http://schemas.microsoft.com/office/drawing/2014/main" id="{BA74E172-AFE8-48E4-BBB0-CA6D4EC1127C}"/>
+                <a16:creationId xmlns:a16="http://schemas.microsoft.com/office/drawing/2014/main" xmlns="" id="{BA74E172-AFE8-48E4-BBB0-CA6D4EC1127C}"/>
               </a:ext>
             </a:extLst>
           </p:cNvPr>
@@ -3790,7 +3790,7 @@
           <p:cNvPr id="7" name="Date Placeholder 6">
             <a:extLst>
               <a:ext uri="{FF2B5EF4-FFF2-40B4-BE49-F238E27FC236}">
-                <a16:creationId xmlns:a16="http://schemas.microsoft.com/office/drawing/2014/main" id="{4C9407CC-270D-4C98-B95C-7AE67D2E1913}"/>
+                <a16:creationId xmlns:a16="http://schemas.microsoft.com/office/drawing/2014/main" xmlns="" id="{4C9407CC-270D-4C98-B95C-7AE67D2E1913}"/>
               </a:ext>
             </a:extLst>
           </p:cNvPr>
@@ -3808,7 +3808,7 @@
           <a:p>
             <a:fld id="{72345051-2045-45DA-935E-2E3CA1A69ADC}" type="datetimeFigureOut">
               <a:rPr lang="en-US" smtClean="0"/>
-              <a:t>1/17/2022</a:t>
+              <a:t>1/20/2022</a:t>
             </a:fld>
             <a:endParaRPr lang="en-US"/>
           </a:p>
@@ -3819,7 +3819,7 @@
           <p:cNvPr id="8" name="Footer Placeholder 7">
             <a:extLst>
               <a:ext uri="{FF2B5EF4-FFF2-40B4-BE49-F238E27FC236}">
-                <a16:creationId xmlns:a16="http://schemas.microsoft.com/office/drawing/2014/main" id="{454070D5-9B7B-47FC-9F75-F6AD9607452E}"/>
+                <a16:creationId xmlns:a16="http://schemas.microsoft.com/office/drawing/2014/main" xmlns="" id="{454070D5-9B7B-47FC-9F75-F6AD9607452E}"/>
               </a:ext>
             </a:extLst>
           </p:cNvPr>
@@ -3844,7 +3844,7 @@
           <p:cNvPr id="9" name="Slide Number Placeholder 8">
             <a:extLst>
               <a:ext uri="{FF2B5EF4-FFF2-40B4-BE49-F238E27FC236}">
-                <a16:creationId xmlns:a16="http://schemas.microsoft.com/office/drawing/2014/main" id="{428EAC17-33BE-4265-8C06-644C2D34FD3C}"/>
+                <a16:creationId xmlns:a16="http://schemas.microsoft.com/office/drawing/2014/main" xmlns="" id="{428EAC17-33BE-4265-8C06-644C2D34FD3C}"/>
               </a:ext>
             </a:extLst>
           </p:cNvPr>
@@ -3873,7 +3873,7 @@
           <p:cNvPr id="11" name="Rectangle 10" descr="Tag=AccentColor&#10;Flavor=Light&#10;Target=FillAndLine">
             <a:extLst>
               <a:ext uri="{FF2B5EF4-FFF2-40B4-BE49-F238E27FC236}">
-                <a16:creationId xmlns:a16="http://schemas.microsoft.com/office/drawing/2014/main" id="{F634C457-AEBF-47D7-9200-BAD05D138B12}"/>
+                <a16:creationId xmlns:a16="http://schemas.microsoft.com/office/drawing/2014/main" xmlns="" id="{F634C457-AEBF-47D7-9200-BAD05D138B12}"/>
               </a:ext>
             </a:extLst>
           </p:cNvPr>
@@ -4458,7 +4458,7 @@
             <a:round/>
             <a:extLst>
               <a:ext uri="{C807C97D-BFC1-408E-A445-0C87EB9F89A2}">
-                <ask:lineSketchStyleProps xmlns:ask="http://schemas.microsoft.com/office/drawing/2018/sketchyshapes" sd="1219033472">
+                <ask:lineSketchStyleProps xmlns:ask="http://schemas.microsoft.com/office/drawing/2018/sketchyshapes" xmlns="" sd="1219033472">
                   <a:prstGeom prst="rect">
                     <a:avLst/>
                   </a:prstGeom>
@@ -4534,7 +4534,7 @@
           <p:cNvPr id="2" name="Title 1">
             <a:extLst>
               <a:ext uri="{FF2B5EF4-FFF2-40B4-BE49-F238E27FC236}">
-                <a16:creationId xmlns:a16="http://schemas.microsoft.com/office/drawing/2014/main" id="{79EE9AC0-40CD-4451-BF00-5E2FC7B7451B}"/>
+                <a16:creationId xmlns:a16="http://schemas.microsoft.com/office/drawing/2014/main" xmlns="" id="{79EE9AC0-40CD-4451-BF00-5E2FC7B7451B}"/>
               </a:ext>
             </a:extLst>
           </p:cNvPr>
@@ -4574,7 +4574,7 @@
           <p:cNvPr id="3" name="Date Placeholder 2">
             <a:extLst>
               <a:ext uri="{FF2B5EF4-FFF2-40B4-BE49-F238E27FC236}">
-                <a16:creationId xmlns:a16="http://schemas.microsoft.com/office/drawing/2014/main" id="{C6FD9A32-9C83-452B-BC69-CC6E95D3C93C}"/>
+                <a16:creationId xmlns:a16="http://schemas.microsoft.com/office/drawing/2014/main" xmlns="" id="{C6FD9A32-9C83-452B-BC69-CC6E95D3C93C}"/>
               </a:ext>
             </a:extLst>
           </p:cNvPr>
@@ -4592,7 +4592,7 @@
           <a:p>
             <a:fld id="{72345051-2045-45DA-935E-2E3CA1A69ADC}" type="datetimeFigureOut">
               <a:rPr lang="en-US" smtClean="0"/>
-              <a:t>1/17/2022</a:t>
+              <a:t>1/20/2022</a:t>
             </a:fld>
             <a:endParaRPr lang="en-US"/>
           </a:p>
@@ -4603,7 +4603,7 @@
           <p:cNvPr id="4" name="Footer Placeholder 3">
             <a:extLst>
               <a:ext uri="{FF2B5EF4-FFF2-40B4-BE49-F238E27FC236}">
-                <a16:creationId xmlns:a16="http://schemas.microsoft.com/office/drawing/2014/main" id="{6B87B83E-E23E-42DE-876D-F55908A97DC6}"/>
+                <a16:creationId xmlns:a16="http://schemas.microsoft.com/office/drawing/2014/main" xmlns="" id="{6B87B83E-E23E-42DE-876D-F55908A97DC6}"/>
               </a:ext>
             </a:extLst>
           </p:cNvPr>
@@ -4628,7 +4628,7 @@
           <p:cNvPr id="5" name="Slide Number Placeholder 4">
             <a:extLst>
               <a:ext uri="{FF2B5EF4-FFF2-40B4-BE49-F238E27FC236}">
-                <a16:creationId xmlns:a16="http://schemas.microsoft.com/office/drawing/2014/main" id="{061C03A8-D428-4010-B413-13B1E9922628}"/>
+                <a16:creationId xmlns:a16="http://schemas.microsoft.com/office/drawing/2014/main" xmlns="" id="{061C03A8-D428-4010-B413-13B1E9922628}"/>
               </a:ext>
             </a:extLst>
           </p:cNvPr>
@@ -4657,7 +4657,7 @@
           <p:cNvPr id="6" name="Rectangle 6" descr="Tag=AccentColor&#10;Flavor=Light&#10;Target=FillAndLine">
             <a:extLst>
               <a:ext uri="{FF2B5EF4-FFF2-40B4-BE49-F238E27FC236}">
-                <a16:creationId xmlns:a16="http://schemas.microsoft.com/office/drawing/2014/main" id="{17F03060-85EC-4182-8C18-C6EE0D373E4B}"/>
+                <a16:creationId xmlns:a16="http://schemas.microsoft.com/office/drawing/2014/main" xmlns="" id="{17F03060-85EC-4182-8C18-C6EE0D373E4B}"/>
               </a:ext>
             </a:extLst>
           </p:cNvPr>
@@ -4947,7 +4947,7 @@
             <a:round/>
             <a:extLst>
               <a:ext uri="{C807C97D-BFC1-408E-A445-0C87EB9F89A2}">
-                <ask:lineSketchStyleProps xmlns:ask="http://schemas.microsoft.com/office/drawing/2018/sketchyshapes" sd="1219033472">
+                <ask:lineSketchStyleProps xmlns:ask="http://schemas.microsoft.com/office/drawing/2018/sketchyshapes" xmlns="" sd="1219033472">
                   <a:prstGeom prst="rect">
                     <a:avLst/>
                   </a:prstGeom>
@@ -5023,7 +5023,7 @@
           <p:cNvPr id="2" name="Date Placeholder 1">
             <a:extLst>
               <a:ext uri="{FF2B5EF4-FFF2-40B4-BE49-F238E27FC236}">
-                <a16:creationId xmlns:a16="http://schemas.microsoft.com/office/drawing/2014/main" id="{172816A0-77C4-4A3F-87BD-A7321E3C84D2}"/>
+                <a16:creationId xmlns:a16="http://schemas.microsoft.com/office/drawing/2014/main" xmlns="" id="{172816A0-77C4-4A3F-87BD-A7321E3C84D2}"/>
               </a:ext>
             </a:extLst>
           </p:cNvPr>
@@ -5041,7 +5041,7 @@
           <a:p>
             <a:fld id="{72345051-2045-45DA-935E-2E3CA1A69ADC}" type="datetimeFigureOut">
               <a:rPr lang="en-US" smtClean="0"/>
-              <a:t>1/17/2022</a:t>
+              <a:t>1/20/2022</a:t>
             </a:fld>
             <a:endParaRPr lang="en-US"/>
           </a:p>
@@ -5052,7 +5052,7 @@
           <p:cNvPr id="3" name="Footer Placeholder 2">
             <a:extLst>
               <a:ext uri="{FF2B5EF4-FFF2-40B4-BE49-F238E27FC236}">
-                <a16:creationId xmlns:a16="http://schemas.microsoft.com/office/drawing/2014/main" id="{A5FC3464-F026-4C77-9441-55ECA5054D50}"/>
+                <a16:creationId xmlns:a16="http://schemas.microsoft.com/office/drawing/2014/main" xmlns="" id="{A5FC3464-F026-4C77-9441-55ECA5054D50}"/>
               </a:ext>
             </a:extLst>
           </p:cNvPr>
@@ -5077,7 +5077,7 @@
           <p:cNvPr id="4" name="Slide Number Placeholder 3">
             <a:extLst>
               <a:ext uri="{FF2B5EF4-FFF2-40B4-BE49-F238E27FC236}">
-                <a16:creationId xmlns:a16="http://schemas.microsoft.com/office/drawing/2014/main" id="{587D9257-BADE-4D0B-AF0B-D09FE95FA078}"/>
+                <a16:creationId xmlns:a16="http://schemas.microsoft.com/office/drawing/2014/main" xmlns="" id="{587D9257-BADE-4D0B-AF0B-D09FE95FA078}"/>
               </a:ext>
             </a:extLst>
           </p:cNvPr>
@@ -5136,7 +5136,7 @@
           <p:cNvPr id="2" name="Title 1">
             <a:extLst>
               <a:ext uri="{FF2B5EF4-FFF2-40B4-BE49-F238E27FC236}">
-                <a16:creationId xmlns:a16="http://schemas.microsoft.com/office/drawing/2014/main" id="{F9A1C48E-F751-45A2-9010-208B81EDBE69}"/>
+                <a16:creationId xmlns:a16="http://schemas.microsoft.com/office/drawing/2014/main" xmlns="" id="{F9A1C48E-F751-45A2-9010-208B81EDBE69}"/>
               </a:ext>
             </a:extLst>
           </p:cNvPr>
@@ -5176,7 +5176,7 @@
           <p:cNvPr id="3" name="Content Placeholder 2">
             <a:extLst>
               <a:ext uri="{FF2B5EF4-FFF2-40B4-BE49-F238E27FC236}">
-                <a16:creationId xmlns:a16="http://schemas.microsoft.com/office/drawing/2014/main" id="{59D501F6-8430-4758-8636-74D68E990EC3}"/>
+                <a16:creationId xmlns:a16="http://schemas.microsoft.com/office/drawing/2014/main" xmlns="" id="{59D501F6-8430-4758-8636-74D68E990EC3}"/>
               </a:ext>
             </a:extLst>
           </p:cNvPr>
@@ -5267,7 +5267,7 @@
           <p:cNvPr id="4" name="Text Placeholder 3">
             <a:extLst>
               <a:ext uri="{FF2B5EF4-FFF2-40B4-BE49-F238E27FC236}">
-                <a16:creationId xmlns:a16="http://schemas.microsoft.com/office/drawing/2014/main" id="{2E79DC39-A29C-494C-98B6-999746C5F38A}"/>
+                <a16:creationId xmlns:a16="http://schemas.microsoft.com/office/drawing/2014/main" xmlns="" id="{2E79DC39-A29C-494C-98B6-999746C5F38A}"/>
               </a:ext>
             </a:extLst>
           </p:cNvPr>
@@ -5340,7 +5340,7 @@
           <p:cNvPr id="5" name="Date Placeholder 4">
             <a:extLst>
               <a:ext uri="{FF2B5EF4-FFF2-40B4-BE49-F238E27FC236}">
-                <a16:creationId xmlns:a16="http://schemas.microsoft.com/office/drawing/2014/main" id="{2584C988-A6DB-469A-B8AA-31866F36E83D}"/>
+                <a16:creationId xmlns:a16="http://schemas.microsoft.com/office/drawing/2014/main" xmlns="" id="{2584C988-A6DB-469A-B8AA-31866F36E83D}"/>
               </a:ext>
             </a:extLst>
           </p:cNvPr>
@@ -5358,7 +5358,7 @@
           <a:p>
             <a:fld id="{72345051-2045-45DA-935E-2E3CA1A69ADC}" type="datetimeFigureOut">
               <a:rPr lang="en-US" smtClean="0"/>
-              <a:t>1/17/2022</a:t>
+              <a:t>1/20/2022</a:t>
             </a:fld>
             <a:endParaRPr lang="en-US"/>
           </a:p>
@@ -5369,7 +5369,7 @@
           <p:cNvPr id="6" name="Footer Placeholder 5">
             <a:extLst>
               <a:ext uri="{FF2B5EF4-FFF2-40B4-BE49-F238E27FC236}">
-                <a16:creationId xmlns:a16="http://schemas.microsoft.com/office/drawing/2014/main" id="{02BC39C3-81EB-4828-9AD3-2F1FAC521E63}"/>
+                <a16:creationId xmlns:a16="http://schemas.microsoft.com/office/drawing/2014/main" xmlns="" id="{02BC39C3-81EB-4828-9AD3-2F1FAC521E63}"/>
               </a:ext>
             </a:extLst>
           </p:cNvPr>
@@ -5394,7 +5394,7 @@
           <p:cNvPr id="7" name="Slide Number Placeholder 6">
             <a:extLst>
               <a:ext uri="{FF2B5EF4-FFF2-40B4-BE49-F238E27FC236}">
-                <a16:creationId xmlns:a16="http://schemas.microsoft.com/office/drawing/2014/main" id="{4059376C-9810-49A5-BC9A-4E6A02175273}"/>
+                <a16:creationId xmlns:a16="http://schemas.microsoft.com/office/drawing/2014/main" xmlns="" id="{4059376C-9810-49A5-BC9A-4E6A02175273}"/>
               </a:ext>
             </a:extLst>
           </p:cNvPr>
@@ -5423,7 +5423,7 @@
           <p:cNvPr id="8" name="Rectangle 6" descr="Tag=AccentColor&#10;Flavor=Light&#10;Target=FillAndLine">
             <a:extLst>
               <a:ext uri="{FF2B5EF4-FFF2-40B4-BE49-F238E27FC236}">
-                <a16:creationId xmlns:a16="http://schemas.microsoft.com/office/drawing/2014/main" id="{B9F96F3A-E64D-4401-B02C-BCD5CAA97CFF}"/>
+                <a16:creationId xmlns:a16="http://schemas.microsoft.com/office/drawing/2014/main" xmlns="" id="{B9F96F3A-E64D-4401-B02C-BCD5CAA97CFF}"/>
               </a:ext>
             </a:extLst>
           </p:cNvPr>
@@ -5713,7 +5713,7 @@
             <a:round/>
             <a:extLst>
               <a:ext uri="{C807C97D-BFC1-408E-A445-0C87EB9F89A2}">
-                <ask:lineSketchStyleProps xmlns:ask="http://schemas.microsoft.com/office/drawing/2018/sketchyshapes" sd="1219033472">
+                <ask:lineSketchStyleProps xmlns:ask="http://schemas.microsoft.com/office/drawing/2018/sketchyshapes" xmlns="" sd="1219033472">
                   <a:prstGeom prst="rect">
                     <a:avLst/>
                   </a:prstGeom>
@@ -5785,7 +5785,7 @@
           <p:cNvPr id="2" name="Title 1">
             <a:extLst>
               <a:ext uri="{FF2B5EF4-FFF2-40B4-BE49-F238E27FC236}">
-                <a16:creationId xmlns:a16="http://schemas.microsoft.com/office/drawing/2014/main" id="{DE237704-80BD-41B0-8395-41618EC3AFBC}"/>
+                <a16:creationId xmlns:a16="http://schemas.microsoft.com/office/drawing/2014/main" xmlns="" id="{DE237704-80BD-41B0-8395-41618EC3AFBC}"/>
               </a:ext>
             </a:extLst>
           </p:cNvPr>
@@ -5825,7 +5825,7 @@
           <p:cNvPr id="3" name="Picture Placeholder 2">
             <a:extLst>
               <a:ext uri="{FF2B5EF4-FFF2-40B4-BE49-F238E27FC236}">
-                <a16:creationId xmlns:a16="http://schemas.microsoft.com/office/drawing/2014/main" id="{14DA4032-EC66-4974-BD30-898B60E4B562}"/>
+                <a16:creationId xmlns:a16="http://schemas.microsoft.com/office/drawing/2014/main" xmlns="" id="{14DA4032-EC66-4974-BD30-898B60E4B562}"/>
               </a:ext>
             </a:extLst>
           </p:cNvPr>
@@ -5895,7 +5895,7 @@
           <p:cNvPr id="4" name="Text Placeholder 3">
             <a:extLst>
               <a:ext uri="{FF2B5EF4-FFF2-40B4-BE49-F238E27FC236}">
-                <a16:creationId xmlns:a16="http://schemas.microsoft.com/office/drawing/2014/main" id="{921802D0-5574-4631-BA49-92362F8E40DC}"/>
+                <a16:creationId xmlns:a16="http://schemas.microsoft.com/office/drawing/2014/main" xmlns="" id="{921802D0-5574-4631-BA49-92362F8E40DC}"/>
               </a:ext>
             </a:extLst>
           </p:cNvPr>
@@ -5968,7 +5968,7 @@
           <p:cNvPr id="5" name="Date Placeholder 4">
             <a:extLst>
               <a:ext uri="{FF2B5EF4-FFF2-40B4-BE49-F238E27FC236}">
-                <a16:creationId xmlns:a16="http://schemas.microsoft.com/office/drawing/2014/main" id="{F62C2F5B-DDDD-4E64-94A9-99E46F4B06A0}"/>
+                <a16:creationId xmlns:a16="http://schemas.microsoft.com/office/drawing/2014/main" xmlns="" id="{F62C2F5B-DDDD-4E64-94A9-99E46F4B06A0}"/>
               </a:ext>
             </a:extLst>
           </p:cNvPr>
@@ -5986,7 +5986,7 @@
           <a:p>
             <a:fld id="{72345051-2045-45DA-935E-2E3CA1A69ADC}" type="datetimeFigureOut">
               <a:rPr lang="en-US" smtClean="0"/>
-              <a:t>1/17/2022</a:t>
+              <a:t>1/20/2022</a:t>
             </a:fld>
             <a:endParaRPr lang="en-US"/>
           </a:p>
@@ -5997,7 +5997,7 @@
           <p:cNvPr id="6" name="Footer Placeholder 5">
             <a:extLst>
               <a:ext uri="{FF2B5EF4-FFF2-40B4-BE49-F238E27FC236}">
-                <a16:creationId xmlns:a16="http://schemas.microsoft.com/office/drawing/2014/main" id="{D4FA8D36-8865-48E7-8249-ED729A5F709D}"/>
+                <a16:creationId xmlns:a16="http://schemas.microsoft.com/office/drawing/2014/main" xmlns="" id="{D4FA8D36-8865-48E7-8249-ED729A5F709D}"/>
               </a:ext>
             </a:extLst>
           </p:cNvPr>
@@ -6022,7 +6022,7 @@
           <p:cNvPr id="7" name="Slide Number Placeholder 6">
             <a:extLst>
               <a:ext uri="{FF2B5EF4-FFF2-40B4-BE49-F238E27FC236}">
-                <a16:creationId xmlns:a16="http://schemas.microsoft.com/office/drawing/2014/main" id="{830F98C3-0B62-4361-8408-A01F70807CDB}"/>
+                <a16:creationId xmlns:a16="http://schemas.microsoft.com/office/drawing/2014/main" xmlns="" id="{830F98C3-0B62-4361-8408-A01F70807CDB}"/>
               </a:ext>
             </a:extLst>
           </p:cNvPr>
@@ -6051,7 +6051,7 @@
           <p:cNvPr id="8" name="Rectangle 6" descr="Tag=AccentColor&#10;Flavor=Light&#10;Target=FillAndLine">
             <a:extLst>
               <a:ext uri="{FF2B5EF4-FFF2-40B4-BE49-F238E27FC236}">
-                <a16:creationId xmlns:a16="http://schemas.microsoft.com/office/drawing/2014/main" id="{FE511AB6-FEAF-4549-BA88-0764BD10B63D}"/>
+                <a16:creationId xmlns:a16="http://schemas.microsoft.com/office/drawing/2014/main" xmlns="" id="{FE511AB6-FEAF-4549-BA88-0764BD10B63D}"/>
               </a:ext>
             </a:extLst>
           </p:cNvPr>
@@ -6341,7 +6341,7 @@
             <a:round/>
             <a:extLst>
               <a:ext uri="{C807C97D-BFC1-408E-A445-0C87EB9F89A2}">
-                <ask:lineSketchStyleProps xmlns:ask="http://schemas.microsoft.com/office/drawing/2018/sketchyshapes" sd="1219033472">
+                <ask:lineSketchStyleProps xmlns:ask="http://schemas.microsoft.com/office/drawing/2018/sketchyshapes" xmlns="" sd="1219033472">
                   <a:prstGeom prst="rect">
                     <a:avLst/>
                   </a:prstGeom>
@@ -6418,7 +6418,7 @@
           <p:cNvPr id="2" name="Title Placeholder 1">
             <a:extLst>
               <a:ext uri="{FF2B5EF4-FFF2-40B4-BE49-F238E27FC236}">
-                <a16:creationId xmlns:a16="http://schemas.microsoft.com/office/drawing/2014/main" id="{FF72D13B-FFCB-4650-AD3C-CB503735257E}"/>
+                <a16:creationId xmlns:a16="http://schemas.microsoft.com/office/drawing/2014/main" xmlns="" id="{FF72D13B-FFCB-4650-AD3C-CB503735257E}"/>
               </a:ext>
             </a:extLst>
           </p:cNvPr>
@@ -6456,7 +6456,7 @@
           <p:cNvPr id="3" name="Text Placeholder 2">
             <a:extLst>
               <a:ext uri="{FF2B5EF4-FFF2-40B4-BE49-F238E27FC236}">
-                <a16:creationId xmlns:a16="http://schemas.microsoft.com/office/drawing/2014/main" id="{D0CA9470-DF15-46A1-BF0E-8A5367A4B0F3}"/>
+                <a16:creationId xmlns:a16="http://schemas.microsoft.com/office/drawing/2014/main" xmlns="" id="{D0CA9470-DF15-46A1-BF0E-8A5367A4B0F3}"/>
               </a:ext>
             </a:extLst>
           </p:cNvPr>
@@ -6523,7 +6523,7 @@
           <p:cNvPr id="4" name="Date Placeholder 3">
             <a:extLst>
               <a:ext uri="{FF2B5EF4-FFF2-40B4-BE49-F238E27FC236}">
-                <a16:creationId xmlns:a16="http://schemas.microsoft.com/office/drawing/2014/main" id="{263047CB-E94D-482F-BACA-681E96C0EC2F}"/>
+                <a16:creationId xmlns:a16="http://schemas.microsoft.com/office/drawing/2014/main" xmlns="" id="{263047CB-E94D-482F-BACA-681E96C0EC2F}"/>
               </a:ext>
             </a:extLst>
           </p:cNvPr>
@@ -6559,7 +6559,7 @@
           <a:p>
             <a:fld id="{72345051-2045-45DA-935E-2E3CA1A69ADC}" type="datetimeFigureOut">
               <a:rPr lang="en-US" smtClean="0"/>
-              <a:t>1/17/2022</a:t>
+              <a:t>1/20/2022</a:t>
             </a:fld>
             <a:endParaRPr lang="en-US" dirty="0"/>
           </a:p>
@@ -6570,7 +6570,7 @@
           <p:cNvPr id="5" name="Footer Placeholder 4">
             <a:extLst>
               <a:ext uri="{FF2B5EF4-FFF2-40B4-BE49-F238E27FC236}">
-                <a16:creationId xmlns:a16="http://schemas.microsoft.com/office/drawing/2014/main" id="{2CFDA4B5-E797-42FC-8B7A-2294DF24A3D9}"/>
+                <a16:creationId xmlns:a16="http://schemas.microsoft.com/office/drawing/2014/main" xmlns="" id="{2CFDA4B5-E797-42FC-8B7A-2294DF24A3D9}"/>
               </a:ext>
             </a:extLst>
           </p:cNvPr>
@@ -6613,7 +6613,7 @@
           <p:cNvPr id="6" name="Slide Number Placeholder 5">
             <a:extLst>
               <a:ext uri="{FF2B5EF4-FFF2-40B4-BE49-F238E27FC236}">
-                <a16:creationId xmlns:a16="http://schemas.microsoft.com/office/drawing/2014/main" id="{678ED201-6D0E-422C-B4EC-566A3DC2980E}"/>
+                <a16:creationId xmlns:a16="http://schemas.microsoft.com/office/drawing/2014/main" xmlns="" id="{678ED201-6D0E-422C-B4EC-566A3DC2980E}"/>
               </a:ext>
             </a:extLst>
           </p:cNvPr>
@@ -6989,10 +6989,10 @@
           <p:cNvPr id="105" name="Rectangle 104">
             <a:extLst>
               <a:ext uri="{FF2B5EF4-FFF2-40B4-BE49-F238E27FC236}">
-                <a16:creationId xmlns:a16="http://schemas.microsoft.com/office/drawing/2014/main" id="{4D24BFD5-D814-402B-B6C4-EEF6AE14B0F2}"/>
+                <a16:creationId xmlns:a16="http://schemas.microsoft.com/office/drawing/2014/main" xmlns="" id="{4D24BFD5-D814-402B-B6C4-EEF6AE14B0F2}"/>
               </a:ext>
               <a:ext uri="{C183D7F6-B498-43B3-948B-1728B52AA6E4}">
-                <adec:decorative xmlns:adec="http://schemas.microsoft.com/office/drawing/2017/decorative" val="1"/>
+                <adec:decorative xmlns:adec="http://schemas.microsoft.com/office/drawing/2017/decorative" xmlns="" val="1"/>
               </a:ext>
             </a:extLst>
           </p:cNvPr>
@@ -7002,7 +7002,7 @@
           <p:nvPr>
             <p:extLst>
               <p:ext uri="{386F3935-93C4-4BCD-93E2-E3B085C9AB24}">
-                <p16:designElem xmlns:p16="http://schemas.microsoft.com/office/powerpoint/2015/main" val="1"/>
+                <p16:designElem xmlns:p16="http://schemas.microsoft.com/office/powerpoint/2015/main" xmlns="" val="1"/>
               </p:ext>
             </p:extLst>
           </p:nvPr>
@@ -7062,7 +7062,7 @@
         </p:spPr>
         <p:txBody>
           <a:bodyPr>
-            <a:normAutofit/>
+            <a:noAutofit/>
           </a:bodyPr>
           <a:lstStyle/>
           <a:p>
@@ -7072,29 +7072,47 @@
               </a:lnSpc>
             </a:pPr>
             <a:r>
-              <a:rPr lang="ru-RU" sz="6800" i="1">
+              <a:rPr lang="ru-RU" sz="5400" i="1" dirty="0">
                 <a:cs typeface="Calibri Light"/>
               </a:rPr>
-              <a:t>Проект на PyGame</a:t>
+              <a:t>Проект </a:t>
+            </a:r>
+            <a:r>
+              <a:rPr lang="ru-RU" sz="5400" i="1" dirty="0" smtClean="0">
+                <a:cs typeface="Calibri Light"/>
+              </a:rPr>
+              <a:t>на </a:t>
+            </a:r>
+            <a:r>
+              <a:rPr lang="ru-RU" sz="5400" i="1" dirty="0" err="1" smtClean="0">
+                <a:cs typeface="Calibri Light"/>
+              </a:rPr>
+              <a:t>PyGame</a:t>
+            </a:r>
+            <a:r>
+              <a:rPr lang="ru-RU" sz="5400" i="1" dirty="0">
+                <a:cs typeface="Calibri Light"/>
+              </a:rPr>
+              <a:t/>
             </a:r>
             <a:br>
-              <a:rPr lang="ru-RU" sz="6800" i="1">
+              <a:rPr lang="ru-RU" sz="5400" i="1" dirty="0">
                 <a:cs typeface="Calibri Light"/>
               </a:rPr>
             </a:br>
             <a:r>
-              <a:rPr lang="ru-RU" sz="6800" i="1">
+              <a:rPr lang="ru-RU" sz="5400" i="1" dirty="0">
                 <a:cs typeface="Calibri Light"/>
               </a:rPr>
               <a:t>Название проекта: </a:t>
             </a:r>
             <a:r>
-              <a:rPr lang="ru-RU" sz="6800">
+              <a:rPr lang="ru-RU" sz="5400" dirty="0">
                 <a:cs typeface="Calibri Light"/>
               </a:rPr>
               <a:t>SPACE INVADERS AND RELAX</a:t>
             </a:r>
-            <a:endParaRPr lang="ru-RU" sz="6800" b="1">
+            <a:endParaRPr lang="ru-RU" sz="5400" b="1" dirty="0">
               <a:latin typeface="Consolas"/>
               <a:ea typeface="+mj-lt"/>
               <a:cs typeface="+mj-lt"/>
@@ -7107,10 +7125,10 @@
           <p:cNvPr id="107" name="Rectangle 10">
             <a:extLst>
               <a:ext uri="{FF2B5EF4-FFF2-40B4-BE49-F238E27FC236}">
-                <a16:creationId xmlns:a16="http://schemas.microsoft.com/office/drawing/2014/main" id="{36FED7E8-9A97-475F-9FA4-113410D4433B}"/>
+                <a16:creationId xmlns:a16="http://schemas.microsoft.com/office/drawing/2014/main" xmlns="" id="{36FED7E8-9A97-475F-9FA4-113410D4433B}"/>
               </a:ext>
               <a:ext uri="{C183D7F6-B498-43B3-948B-1728B52AA6E4}">
-                <adec:decorative xmlns:adec="http://schemas.microsoft.com/office/drawing/2017/decorative" val="1"/>
+                <adec:decorative xmlns:adec="http://schemas.microsoft.com/office/drawing/2017/decorative" xmlns="" val="1"/>
               </a:ext>
             </a:extLst>
           </p:cNvPr>
@@ -7120,7 +7138,7 @@
           <p:nvPr>
             <p:extLst>
               <p:ext uri="{386F3935-93C4-4BCD-93E2-E3B085C9AB24}">
-                <p16:designElem xmlns:p16="http://schemas.microsoft.com/office/powerpoint/2015/main" val="1"/>
+                <p16:designElem xmlns:p16="http://schemas.microsoft.com/office/powerpoint/2015/main" xmlns="" val="1"/>
               </p:ext>
             </p:extLst>
           </p:nvPr>
@@ -7554,7 +7572,7 @@
             </a:solidFill>
             <a:extLst>
               <a:ext uri="{C807C97D-BFC1-408E-A445-0C87EB9F89A2}">
-                <ask:lineSketchStyleProps xmlns:ask="http://schemas.microsoft.com/office/drawing/2018/sketchyshapes" sd="687283399">
+                <ask:lineSketchStyleProps xmlns:ask="http://schemas.microsoft.com/office/drawing/2018/sketchyshapes" xmlns="" sd="687283399">
                   <a:prstGeom prst="rect">
                     <a:avLst/>
                   </a:prstGeom>
@@ -7630,10 +7648,10 @@
           <p:cNvPr id="109" name="Rectangle 6">
             <a:extLst>
               <a:ext uri="{FF2B5EF4-FFF2-40B4-BE49-F238E27FC236}">
-                <a16:creationId xmlns:a16="http://schemas.microsoft.com/office/drawing/2014/main" id="{2A39B854-4B6C-4F7F-A602-6F97770CED70}"/>
+                <a16:creationId xmlns:a16="http://schemas.microsoft.com/office/drawing/2014/main" xmlns="" id="{2A39B854-4B6C-4F7F-A602-6F97770CED70}"/>
               </a:ext>
               <a:ext uri="{C183D7F6-B498-43B3-948B-1728B52AA6E4}">
-                <adec:decorative xmlns:adec="http://schemas.microsoft.com/office/drawing/2017/decorative" val="1"/>
+                <adec:decorative xmlns:adec="http://schemas.microsoft.com/office/drawing/2017/decorative" xmlns="" val="1"/>
               </a:ext>
             </a:extLst>
           </p:cNvPr>
@@ -7643,7 +7661,7 @@
           <p:nvPr>
             <p:extLst>
               <p:ext uri="{386F3935-93C4-4BCD-93E2-E3B085C9AB24}">
-                <p16:designElem xmlns:p16="http://schemas.microsoft.com/office/powerpoint/2015/main" val="1"/>
+                <p16:designElem xmlns:p16="http://schemas.microsoft.com/office/powerpoint/2015/main" xmlns="" val="1"/>
               </p:ext>
             </p:extLst>
           </p:nvPr>
@@ -7986,7 +8004,7 @@
             <a:round/>
             <a:extLst>
               <a:ext uri="{C807C97D-BFC1-408E-A445-0C87EB9F89A2}">
-                <ask:lineSketchStyleProps xmlns:ask="http://schemas.microsoft.com/office/drawing/2018/sketchyshapes" sd="1219033472">
+                <ask:lineSketchStyleProps xmlns:ask="http://schemas.microsoft.com/office/drawing/2018/sketchyshapes" xmlns="" sd="1219033472">
                   <a:prstGeom prst="rect">
                     <a:avLst/>
                   </a:prstGeom>
@@ -8205,10 +8223,10 @@
           <p:cNvPr id="7" name="Rectangle 9">
             <a:extLst>
               <a:ext uri="{FF2B5EF4-FFF2-40B4-BE49-F238E27FC236}">
-                <a16:creationId xmlns:a16="http://schemas.microsoft.com/office/drawing/2014/main" id="{45D37F4E-DDB4-456B-97E0-9937730A039F}"/>
+                <a16:creationId xmlns:a16="http://schemas.microsoft.com/office/drawing/2014/main" xmlns="" id="{45D37F4E-DDB4-456B-97E0-9937730A039F}"/>
               </a:ext>
               <a:ext uri="{C183D7F6-B498-43B3-948B-1728B52AA6E4}">
-                <adec:decorative xmlns:adec="http://schemas.microsoft.com/office/drawing/2017/decorative" val="1"/>
+                <adec:decorative xmlns:adec="http://schemas.microsoft.com/office/drawing/2017/decorative" xmlns="" val="1"/>
               </a:ext>
             </a:extLst>
           </p:cNvPr>
@@ -8218,7 +8236,7 @@
           <p:nvPr>
             <p:extLst>
               <p:ext uri="{386F3935-93C4-4BCD-93E2-E3B085C9AB24}">
-                <p16:designElem xmlns:p16="http://schemas.microsoft.com/office/powerpoint/2015/main" val="1"/>
+                <p16:designElem xmlns:p16="http://schemas.microsoft.com/office/powerpoint/2015/main" xmlns="" val="1"/>
               </p:ext>
             </p:extLst>
           </p:nvPr>
@@ -8265,7 +8283,7 @@
           <p:cNvPr id="2" name="Заголовок 1">
             <a:extLst>
               <a:ext uri="{FF2B5EF4-FFF2-40B4-BE49-F238E27FC236}">
-                <a16:creationId xmlns:a16="http://schemas.microsoft.com/office/drawing/2014/main" id="{919E8730-B832-4F3A-B113-DB25D0B688F2}"/>
+                <a16:creationId xmlns:a16="http://schemas.microsoft.com/office/drawing/2014/main" xmlns="" id="{919E8730-B832-4F3A-B113-DB25D0B688F2}"/>
               </a:ext>
             </a:extLst>
           </p:cNvPr>
@@ -8309,7 +8327,7 @@
               </a:rPr>
               <a:t>описание</a:t>
             </a:r>
-            <a:endParaRPr lang="en-US" sz="7200">
+            <a:endParaRPr lang="en-US" sz="7200" dirty="0">
               <a:latin typeface="Arial"/>
               <a:cs typeface="Arial"/>
             </a:endParaRPr>
@@ -8321,10 +8339,10 @@
           <p:cNvPr id="8" name="Rectangle 6">
             <a:extLst>
               <a:ext uri="{FF2B5EF4-FFF2-40B4-BE49-F238E27FC236}">
-                <a16:creationId xmlns:a16="http://schemas.microsoft.com/office/drawing/2014/main" id="{3CE8AF5E-D374-4CF1-90CC-35CF73B81C3E}"/>
+                <a16:creationId xmlns:a16="http://schemas.microsoft.com/office/drawing/2014/main" xmlns="" id="{3CE8AF5E-D374-4CF1-90CC-35CF73B81C3E}"/>
               </a:ext>
               <a:ext uri="{C183D7F6-B498-43B3-948B-1728B52AA6E4}">
-                <adec:decorative xmlns:adec="http://schemas.microsoft.com/office/drawing/2017/decorative" val="1"/>
+                <adec:decorative xmlns:adec="http://schemas.microsoft.com/office/drawing/2017/decorative" xmlns="" val="1"/>
               </a:ext>
             </a:extLst>
           </p:cNvPr>
@@ -8334,7 +8352,7 @@
           <p:nvPr>
             <p:extLst>
               <p:ext uri="{386F3935-93C4-4BCD-93E2-E3B085C9AB24}">
-                <p16:designElem xmlns:p16="http://schemas.microsoft.com/office/powerpoint/2015/main" val="1"/>
+                <p16:designElem xmlns:p16="http://schemas.microsoft.com/office/powerpoint/2015/main" xmlns="" val="1"/>
               </p:ext>
             </p:extLst>
           </p:nvPr>
@@ -8917,7 +8935,7 @@
             <a:round/>
             <a:extLst>
               <a:ext uri="{C807C97D-BFC1-408E-A445-0C87EB9F89A2}">
-                <ask:lineSketchStyleProps xmlns:ask="http://schemas.microsoft.com/office/drawing/2018/sketchyshapes" sd="1219033472">
+                <ask:lineSketchStyleProps xmlns:ask="http://schemas.microsoft.com/office/drawing/2018/sketchyshapes" xmlns="" sd="1219033472">
                   <a:prstGeom prst="rect">
                     <a:avLst/>
                   </a:prstGeom>
@@ -8959,7 +8977,7 @@
           <p:cNvPr id="5" name="TextBox 4">
             <a:extLst>
               <a:ext uri="{FF2B5EF4-FFF2-40B4-BE49-F238E27FC236}">
-                <a16:creationId xmlns:a16="http://schemas.microsoft.com/office/drawing/2014/main" id="{4282CFB4-A86C-4BF7-ACD2-3EF01086510C}"/>
+                <a16:creationId xmlns:a16="http://schemas.microsoft.com/office/drawing/2014/main" xmlns="" id="{4282CFB4-A86C-4BF7-ACD2-3EF01086510C}"/>
               </a:ext>
             </a:extLst>
           </p:cNvPr>
@@ -9941,7 +9959,7 @@
           <p:cNvPr id="9" name="Рисунок 9" descr="Изображение выглядит как текст&#10;&#10;Автоматически созданное описание">
             <a:extLst>
               <a:ext uri="{FF2B5EF4-FFF2-40B4-BE49-F238E27FC236}">
-                <a16:creationId xmlns:a16="http://schemas.microsoft.com/office/drawing/2014/main" id="{BFFCF889-0A3E-4AAA-88E2-5B3C1770698D}"/>
+                <a16:creationId xmlns:a16="http://schemas.microsoft.com/office/drawing/2014/main" xmlns="" id="{BFFCF889-0A3E-4AAA-88E2-5B3C1770698D}"/>
               </a:ext>
             </a:extLst>
           </p:cNvPr>
@@ -9975,6 +9993,13 @@
   <p:clrMapOvr>
     <a:masterClrMapping/>
   </p:clrMapOvr>
+  <p:timing>
+    <p:tnLst>
+      <p:par>
+        <p:cTn id="1" dur="indefinite" restart="never" nodeType="tmRoot"/>
+      </p:par>
+    </p:tnLst>
+  </p:timing>
 </p:sld>
 </file>
 
@@ -10000,7 +10025,7 @@
           <p:cNvPr id="2" name="Заголовок 1">
             <a:extLst>
               <a:ext uri="{FF2B5EF4-FFF2-40B4-BE49-F238E27FC236}">
-                <a16:creationId xmlns:a16="http://schemas.microsoft.com/office/drawing/2014/main" id="{7C36091D-A6D5-4D25-BEF9-48E8C6D858C8}"/>
+                <a16:creationId xmlns:a16="http://schemas.microsoft.com/office/drawing/2014/main" xmlns="" id="{7C36091D-A6D5-4D25-BEF9-48E8C6D858C8}"/>
               </a:ext>
             </a:extLst>
           </p:cNvPr>
@@ -10013,13 +10038,13 @@
         </p:nvSpPr>
         <p:spPr>
           <a:xfrm>
-            <a:off x="838200" y="913393"/>
+            <a:off x="898358" y="371972"/>
             <a:ext cx="10515600" cy="795880"/>
           </a:xfrm>
         </p:spPr>
         <p:txBody>
           <a:bodyPr>
-            <a:normAutofit/>
+            <a:normAutofit fontScale="90000"/>
           </a:bodyPr>
           <a:lstStyle/>
           <a:p>
@@ -10041,7 +10066,7 @@
               </a:rPr>
               <a:t>стартовое и финальное окно</a:t>
             </a:r>
-            <a:endParaRPr lang="ru-RU" sz="4000" b="1">
+            <a:endParaRPr lang="ru-RU" sz="4000" b="1" dirty="0">
               <a:latin typeface="Arial"/>
               <a:cs typeface="Arial"/>
             </a:endParaRPr>
@@ -10053,7 +10078,7 @@
           <p:cNvPr id="5" name="TextBox 4">
             <a:extLst>
               <a:ext uri="{FF2B5EF4-FFF2-40B4-BE49-F238E27FC236}">
-                <a16:creationId xmlns:a16="http://schemas.microsoft.com/office/drawing/2014/main" id="{DCB69AC0-2A1F-4C77-A32B-7FCFDED1D4D8}"/>
+                <a16:creationId xmlns:a16="http://schemas.microsoft.com/office/drawing/2014/main" xmlns="" id="{DCB69AC0-2A1F-4C77-A32B-7FCFDED1D4D8}"/>
               </a:ext>
             </a:extLst>
           </p:cNvPr>
@@ -10079,10 +10104,11 @@
           </a:bodyPr>
           <a:lstStyle/>
           <a:p>
+            <a:pPr algn="just"/>
             <a:r>
               <a:rPr lang="ru-RU" sz="2800" dirty="0">
-                <a:latin typeface="Arial"/>
-                <a:cs typeface="Arial"/>
+                <a:latin typeface="Times New Roman" panose="02020603050405020304" pitchFamily="18" charset="0"/>
+                <a:cs typeface="Times New Roman" panose="02020603050405020304" pitchFamily="18" charset="0"/>
               </a:rPr>
               <a:t>На стартовом окне написано название игры, игровое управление и кнопка для запуска самой игры. </a:t>
             </a:r>
@@ -10090,17 +10116,18 @@
           <a:p>
             <a:r>
               <a:rPr lang="ru-RU" sz="2800" dirty="0">
-                <a:latin typeface="Arial"/>
-                <a:cs typeface="Arial"/>
+                <a:latin typeface="Times New Roman" panose="02020603050405020304" pitchFamily="18" charset="0"/>
+                <a:cs typeface="Times New Roman" panose="02020603050405020304" pitchFamily="18" charset="0"/>
               </a:rPr>
               <a:t>На финальном окне, которое запускается после проигрыша, выводится набранный в течении игры счёт и максимально достигнутый счёт, значение которого хранится в текстовом файле.</a:t>
             </a:r>
           </a:p>
           <a:p>
+            <a:pPr algn="just"/>
             <a:r>
               <a:rPr lang="ru-RU" sz="2800" dirty="0">
-                <a:latin typeface="Arial"/>
-                <a:cs typeface="Arial"/>
+                <a:latin typeface="Times New Roman" panose="02020603050405020304" pitchFamily="18" charset="0"/>
+                <a:cs typeface="Times New Roman" panose="02020603050405020304" pitchFamily="18" charset="0"/>
               </a:rPr>
               <a:t>При попытке закрытия этих окон запустится начальное окно и можно будет заново выбрать игру.</a:t>
             </a:r>
@@ -10112,7 +10139,7 @@
           <p:cNvPr id="6" name="Рисунок 6" descr="Изображение выглядит как текст&#10;&#10;Автоматически созданное описание">
             <a:extLst>
               <a:ext uri="{FF2B5EF4-FFF2-40B4-BE49-F238E27FC236}">
-                <a16:creationId xmlns:a16="http://schemas.microsoft.com/office/drawing/2014/main" id="{17C82C2B-85F1-4AD9-BD8E-751FB7DB1D7A}"/>
+                <a16:creationId xmlns:a16="http://schemas.microsoft.com/office/drawing/2014/main" xmlns="" id="{17C82C2B-85F1-4AD9-BD8E-751FB7DB1D7A}"/>
               </a:ext>
             </a:extLst>
           </p:cNvPr>
@@ -10142,7 +10169,7 @@
           <p:cNvPr id="8" name="Рисунок 8" descr="Изображение выглядит как текст&#10;&#10;Автоматически созданное описание">
             <a:extLst>
               <a:ext uri="{FF2B5EF4-FFF2-40B4-BE49-F238E27FC236}">
-                <a16:creationId xmlns:a16="http://schemas.microsoft.com/office/drawing/2014/main" id="{E696AB0F-337C-4CB2-88B1-30C9AD5A9E61}"/>
+                <a16:creationId xmlns:a16="http://schemas.microsoft.com/office/drawing/2014/main" xmlns="" id="{E696AB0F-337C-4CB2-88B1-30C9AD5A9E61}"/>
               </a:ext>
             </a:extLst>
           </p:cNvPr>
@@ -10161,8 +10188,8 @@
         </p:blipFill>
         <p:spPr>
           <a:xfrm>
-            <a:off x="7849529" y="1836457"/>
-            <a:ext cx="4131527" cy="2495643"/>
+            <a:off x="7969155" y="1908717"/>
+            <a:ext cx="4011901" cy="2423383"/>
           </a:xfrm>
         </p:spPr>
       </p:pic>
@@ -10176,6 +10203,13 @@
   <p:clrMapOvr>
     <a:masterClrMapping/>
   </p:clrMapOvr>
+  <p:timing>
+    <p:tnLst>
+      <p:par>
+        <p:cTn id="1" dur="indefinite" restart="never" nodeType="tmRoot"/>
+      </p:par>
+    </p:tnLst>
+  </p:timing>
 </p:sld>
 </file>
 
@@ -10201,7 +10235,7 @@
           <p:cNvPr id="2" name="Заголовок 1">
             <a:extLst>
               <a:ext uri="{FF2B5EF4-FFF2-40B4-BE49-F238E27FC236}">
-                <a16:creationId xmlns:a16="http://schemas.microsoft.com/office/drawing/2014/main" id="{604929B4-EC34-4EB8-844C-7A496864C112}"/>
+                <a16:creationId xmlns:a16="http://schemas.microsoft.com/office/drawing/2014/main" xmlns="" id="{604929B4-EC34-4EB8-844C-7A496864C112}"/>
               </a:ext>
             </a:extLst>
           </p:cNvPr>
@@ -10237,7 +10271,7 @@
           <p:cNvPr id="4" name="Рисунок 4">
             <a:extLst>
               <a:ext uri="{FF2B5EF4-FFF2-40B4-BE49-F238E27FC236}">
-                <a16:creationId xmlns:a16="http://schemas.microsoft.com/office/drawing/2014/main" id="{B553DD64-6AD8-4AAE-8F28-47E8DB6EEAAB}"/>
+                <a16:creationId xmlns:a16="http://schemas.microsoft.com/office/drawing/2014/main" xmlns="" id="{B553DD64-6AD8-4AAE-8F28-47E8DB6EEAAB}"/>
               </a:ext>
             </a:extLst>
           </p:cNvPr>
@@ -10266,7 +10300,7 @@
           <p:cNvPr id="5" name="TextBox 4">
             <a:extLst>
               <a:ext uri="{FF2B5EF4-FFF2-40B4-BE49-F238E27FC236}">
-                <a16:creationId xmlns:a16="http://schemas.microsoft.com/office/drawing/2014/main" id="{CE1D3B9A-C7A7-416F-A485-9499A873458A}"/>
+                <a16:creationId xmlns:a16="http://schemas.microsoft.com/office/drawing/2014/main" xmlns="" id="{CE1D3B9A-C7A7-416F-A485-9499A873458A}"/>
               </a:ext>
             </a:extLst>
           </p:cNvPr>
@@ -10326,6 +10360,13 @@
   <p:clrMapOvr>
     <a:masterClrMapping/>
   </p:clrMapOvr>
+  <p:timing>
+    <p:tnLst>
+      <p:par>
+        <p:cTn id="1" dur="indefinite" restart="never" nodeType="tmRoot"/>
+      </p:par>
+    </p:tnLst>
+  </p:timing>
 </p:sld>
 </file>
 
@@ -10351,7 +10392,7 @@
           <p:cNvPr id="2" name="Заголовок 1">
             <a:extLst>
               <a:ext uri="{FF2B5EF4-FFF2-40B4-BE49-F238E27FC236}">
-                <a16:creationId xmlns:a16="http://schemas.microsoft.com/office/drawing/2014/main" id="{BEEB084C-BB01-4216-B8E6-3591361BD6AF}"/>
+                <a16:creationId xmlns:a16="http://schemas.microsoft.com/office/drawing/2014/main" xmlns="" id="{BEEB084C-BB01-4216-B8E6-3591361BD6AF}"/>
               </a:ext>
             </a:extLst>
           </p:cNvPr>
@@ -10364,7 +10405,7 @@
         </p:nvSpPr>
         <p:spPr>
           <a:xfrm>
-            <a:off x="838200" y="987734"/>
+            <a:off x="840059" y="430717"/>
             <a:ext cx="10515600" cy="721539"/>
           </a:xfrm>
         </p:spPr>
@@ -10394,7 +10435,7 @@
           <p:cNvPr id="4" name="Рисунок 4" descr="Изображение выглядит как текст&#10;&#10;Автоматически созданное описание">
             <a:extLst>
               <a:ext uri="{FF2B5EF4-FFF2-40B4-BE49-F238E27FC236}">
-                <a16:creationId xmlns:a16="http://schemas.microsoft.com/office/drawing/2014/main" id="{33758F80-A163-42D6-8516-00AF23640F75}"/>
+                <a16:creationId xmlns:a16="http://schemas.microsoft.com/office/drawing/2014/main" xmlns="" id="{33758F80-A163-42D6-8516-00AF23640F75}"/>
               </a:ext>
             </a:extLst>
           </p:cNvPr>
@@ -10423,7 +10464,7 @@
           <p:cNvPr id="5" name="Рисунок 5" descr="Изображение выглядит как текст&#10;&#10;Автоматически созданное описание">
             <a:extLst>
               <a:ext uri="{FF2B5EF4-FFF2-40B4-BE49-F238E27FC236}">
-                <a16:creationId xmlns:a16="http://schemas.microsoft.com/office/drawing/2014/main" id="{4C32C980-328C-431A-8767-C9D899026873}"/>
+                <a16:creationId xmlns:a16="http://schemas.microsoft.com/office/drawing/2014/main" xmlns="" id="{4C32C980-328C-431A-8767-C9D899026873}"/>
               </a:ext>
             </a:extLst>
           </p:cNvPr>
@@ -10453,7 +10494,7 @@
           <p:cNvPr id="6" name="TextBox 5">
             <a:extLst>
               <a:ext uri="{FF2B5EF4-FFF2-40B4-BE49-F238E27FC236}">
-                <a16:creationId xmlns:a16="http://schemas.microsoft.com/office/drawing/2014/main" id="{AE9C0913-B250-411D-A4F8-17DA8289923A}"/>
+                <a16:creationId xmlns:a16="http://schemas.microsoft.com/office/drawing/2014/main" xmlns="" id="{AE9C0913-B250-411D-A4F8-17DA8289923A}"/>
               </a:ext>
             </a:extLst>
           </p:cNvPr>
@@ -10494,7 +10535,7 @@
           <p:cNvPr id="3" name="Рисунок 6" descr="Изображение выглядит как текст&#10;&#10;Автоматически созданное описание">
             <a:extLst>
               <a:ext uri="{FF2B5EF4-FFF2-40B4-BE49-F238E27FC236}">
-                <a16:creationId xmlns:a16="http://schemas.microsoft.com/office/drawing/2014/main" id="{80E57C48-31BC-4914-AFB5-28B75BF67E7D}"/>
+                <a16:creationId xmlns:a16="http://schemas.microsoft.com/office/drawing/2014/main" xmlns="" id="{80E57C48-31BC-4914-AFB5-28B75BF67E7D}"/>
               </a:ext>
             </a:extLst>
           </p:cNvPr>
@@ -10529,6 +10570,13 @@
   <p:clrMapOvr>
     <a:masterClrMapping/>
   </p:clrMapOvr>
+  <p:timing>
+    <p:tnLst>
+      <p:par>
+        <p:cTn id="1" dur="indefinite" restart="never" nodeType="tmRoot"/>
+      </p:par>
+    </p:tnLst>
+  </p:timing>
 </p:sld>
 </file>
 
@@ -10554,7 +10602,7 @@
           <p:cNvPr id="2" name="Заголовок 1">
             <a:extLst>
               <a:ext uri="{FF2B5EF4-FFF2-40B4-BE49-F238E27FC236}">
-                <a16:creationId xmlns:a16="http://schemas.microsoft.com/office/drawing/2014/main" id="{10C54022-A4A6-4BB4-BBD6-9404EFCA8E70}"/>
+                <a16:creationId xmlns:a16="http://schemas.microsoft.com/office/drawing/2014/main" xmlns="" id="{10C54022-A4A6-4BB4-BBD6-9404EFCA8E70}"/>
               </a:ext>
             </a:extLst>
           </p:cNvPr>
@@ -10601,7 +10649,7 @@
           <p:cNvPr id="4" name="Рисунок 4">
             <a:extLst>
               <a:ext uri="{FF2B5EF4-FFF2-40B4-BE49-F238E27FC236}">
-                <a16:creationId xmlns:a16="http://schemas.microsoft.com/office/drawing/2014/main" id="{84117FA7-57C8-41B8-81C3-86219B5BB49F}"/>
+                <a16:creationId xmlns:a16="http://schemas.microsoft.com/office/drawing/2014/main" xmlns="" id="{84117FA7-57C8-41B8-81C3-86219B5BB49F}"/>
               </a:ext>
             </a:extLst>
           </p:cNvPr>
@@ -10630,7 +10678,7 @@
           <p:cNvPr id="5" name="TextBox 4">
             <a:extLst>
               <a:ext uri="{FF2B5EF4-FFF2-40B4-BE49-F238E27FC236}">
-                <a16:creationId xmlns:a16="http://schemas.microsoft.com/office/drawing/2014/main" id="{7A3D7256-4C04-475E-8611-8CB6889B769F}"/>
+                <a16:creationId xmlns:a16="http://schemas.microsoft.com/office/drawing/2014/main" xmlns="" id="{7A3D7256-4C04-475E-8611-8CB6889B769F}"/>
               </a:ext>
             </a:extLst>
           </p:cNvPr>
@@ -10671,7 +10719,7 @@
           <p:cNvPr id="6" name="Рисунок 6" descr="Изображение выглядит как текст, снимок экрана&#10;&#10;Автоматически созданное описание">
             <a:extLst>
               <a:ext uri="{FF2B5EF4-FFF2-40B4-BE49-F238E27FC236}">
-                <a16:creationId xmlns:a16="http://schemas.microsoft.com/office/drawing/2014/main" id="{729C7E9F-41E4-40E4-8330-D76563904395}"/>
+                <a16:creationId xmlns:a16="http://schemas.microsoft.com/office/drawing/2014/main" xmlns="" id="{729C7E9F-41E4-40E4-8330-D76563904395}"/>
               </a:ext>
             </a:extLst>
           </p:cNvPr>
@@ -10706,6 +10754,13 @@
   <p:clrMapOvr>
     <a:masterClrMapping/>
   </p:clrMapOvr>
+  <p:timing>
+    <p:tnLst>
+      <p:par>
+        <p:cTn id="1" dur="indefinite" restart="never" nodeType="tmRoot"/>
+      </p:par>
+    </p:tnLst>
+  </p:timing>
 </p:sld>
 </file>
 
@@ -10739,10 +10794,10 @@
           <p:cNvPr id="5" name="Rectangle 7">
             <a:extLst>
               <a:ext uri="{FF2B5EF4-FFF2-40B4-BE49-F238E27FC236}">
-                <a16:creationId xmlns:a16="http://schemas.microsoft.com/office/drawing/2014/main" id="{FA2E39B7-17D8-4009-A8BA-9E8D8EC1B4C9}"/>
+                <a16:creationId xmlns:a16="http://schemas.microsoft.com/office/drawing/2014/main" xmlns="" id="{FA2E39B7-17D8-4009-A8BA-9E8D8EC1B4C9}"/>
               </a:ext>
               <a:ext uri="{C183D7F6-B498-43B3-948B-1728B52AA6E4}">
-                <adec:decorative xmlns:adec="http://schemas.microsoft.com/office/drawing/2017/decorative" val="1"/>
+                <adec:decorative xmlns:adec="http://schemas.microsoft.com/office/drawing/2017/decorative" xmlns="" val="1"/>
               </a:ext>
             </a:extLst>
           </p:cNvPr>
@@ -10752,7 +10807,7 @@
           <p:nvPr>
             <p:extLst>
               <p:ext uri="{386F3935-93C4-4BCD-93E2-E3B085C9AB24}">
-                <p16:designElem xmlns:p16="http://schemas.microsoft.com/office/powerpoint/2015/main" val="1"/>
+                <p16:designElem xmlns:p16="http://schemas.microsoft.com/office/powerpoint/2015/main" xmlns="" val="1"/>
               </p:ext>
             </p:extLst>
           </p:nvPr>
@@ -10799,10 +10854,10 @@
           <p:cNvPr id="6" name="Graphic 33">
             <a:extLst>
               <a:ext uri="{FF2B5EF4-FFF2-40B4-BE49-F238E27FC236}">
-                <a16:creationId xmlns:a16="http://schemas.microsoft.com/office/drawing/2014/main" id="{967EEEC4-6120-428D-8FB5-916920AECC74}"/>
+                <a16:creationId xmlns:a16="http://schemas.microsoft.com/office/drawing/2014/main" xmlns="" id="{967EEEC4-6120-428D-8FB5-916920AECC74}"/>
               </a:ext>
               <a:ext uri="{C183D7F6-B498-43B3-948B-1728B52AA6E4}">
-                <adec:decorative xmlns:adec="http://schemas.microsoft.com/office/drawing/2017/decorative" val="1"/>
+                <adec:decorative xmlns:adec="http://schemas.microsoft.com/office/drawing/2017/decorative" xmlns="" val="1"/>
               </a:ext>
             </a:extLst>
           </p:cNvPr>
@@ -10812,7 +10867,7 @@
           <p:nvPr>
             <p:extLst>
               <p:ext uri="{386F3935-93C4-4BCD-93E2-E3B085C9AB24}">
-                <p16:designElem xmlns:p16="http://schemas.microsoft.com/office/powerpoint/2015/main" val="1"/>
+                <p16:designElem xmlns:p16="http://schemas.microsoft.com/office/powerpoint/2015/main" xmlns="" val="1"/>
               </p:ext>
             </p:extLst>
           </p:nvPr>
@@ -11265,7 +11320,7 @@
           <p:cNvPr id="2" name="Заголовок 1">
             <a:extLst>
               <a:ext uri="{FF2B5EF4-FFF2-40B4-BE49-F238E27FC236}">
-                <a16:creationId xmlns:a16="http://schemas.microsoft.com/office/drawing/2014/main" id="{B883647B-48A6-4040-8046-A3B88F3D6791}"/>
+                <a16:creationId xmlns:a16="http://schemas.microsoft.com/office/drawing/2014/main" xmlns="" id="{B883647B-48A6-4040-8046-A3B88F3D6791}"/>
               </a:ext>
             </a:extLst>
           </p:cNvPr>
@@ -11311,7 +11366,7 @@
           <p:cNvPr id="3" name="Объект 2">
             <a:extLst>
               <a:ext uri="{FF2B5EF4-FFF2-40B4-BE49-F238E27FC236}">
-                <a16:creationId xmlns:a16="http://schemas.microsoft.com/office/drawing/2014/main" id="{8CF7EC4F-FDF1-4EC4-B13E-5159D24FEF5B}"/>
+                <a16:creationId xmlns:a16="http://schemas.microsoft.com/office/drawing/2014/main" xmlns="" id="{8CF7EC4F-FDF1-4EC4-B13E-5159D24FEF5B}"/>
               </a:ext>
             </a:extLst>
           </p:cNvPr>
@@ -11357,6 +11412,13 @@
   <p:clrMapOvr>
     <a:masterClrMapping/>
   </p:clrMapOvr>
+  <p:timing>
+    <p:tnLst>
+      <p:par>
+        <p:cTn id="1" dur="indefinite" restart="never" nodeType="tmRoot"/>
+      </p:par>
+    </p:tnLst>
+  </p:timing>
 </p:sld>
 </file>
 
